--- a/week06/Lecture06.pptx
+++ b/week06/Lecture06.pptx
@@ -5268,7 +5268,20 @@
             </a:pPr>
             <a:r>
               <a:rPr kumimoji="1" lang="en-US" altLang="zh-CN" dirty="0"/>
-              <a:t>Will num1 be changed in foo()?</a:t>
+              <a:t>Will </a:t>
+            </a:r>
+            <a:r>
+              <a:rPr kumimoji="1" lang="en-US" altLang="zh-CN" dirty="0">
+                <a:solidFill>
+                  <a:srgbClr val="0000CC"/>
+                </a:solidFill>
+                <a:latin typeface="Courier" pitchFamily="2" charset="0"/>
+              </a:rPr>
+              <a:t>num1</a:t>
+            </a:r>
+            <a:r>
+              <a:rPr kumimoji="1" lang="en-US" altLang="zh-CN" dirty="0"/>
+              <a:t> be changed in foo()?</a:t>
             </a:r>
             <a:endParaRPr kumimoji="1" lang="zh-CN" altLang="en-US" dirty="0"/>
           </a:p>
@@ -5288,7 +5301,7 @@
         </p:nvGrpSpPr>
         <p:grpSpPr>
           <a:xfrm>
-            <a:off x="3087517" y="3179458"/>
+            <a:off x="4485278" y="3385187"/>
             <a:ext cx="2001960" cy="1171080"/>
             <a:chOff x="3029190" y="3140452"/>
             <a:chExt cx="2001960" cy="1171080"/>
@@ -5457,6 +5470,42 @@
                             </p:childTnLst>
                           </p:cTn>
                         </p:par>
+                        <p:par>
+                          <p:cTn id="7" fill="hold">
+                            <p:stCondLst>
+                              <p:cond delay="0"/>
+                            </p:stCondLst>
+                            <p:childTnLst>
+                              <p:par>
+                                <p:cTn id="8" presetID="1" presetClass="entr" presetSubtype="0" fill="hold" nodeType="afterEffect">
+                                  <p:stCondLst>
+                                    <p:cond delay="0"/>
+                                  </p:stCondLst>
+                                  <p:childTnLst>
+                                    <p:set>
+                                      <p:cBhvr>
+                                        <p:cTn id="9" dur="1" fill="hold">
+                                          <p:stCondLst>
+                                            <p:cond delay="0"/>
+                                          </p:stCondLst>
+                                        </p:cTn>
+                                        <p:tgtEl>
+                                          <p:spTgt spid="12"/>
+                                        </p:tgtEl>
+                                        <p:attrNameLst>
+                                          <p:attrName>style.visibility</p:attrName>
+                                        </p:attrNameLst>
+                                      </p:cBhvr>
+                                      <p:to>
+                                        <p:strVal val="visible"/>
+                                      </p:to>
+                                    </p:set>
+                                  </p:childTnLst>
+                                </p:cTn>
+                              </p:par>
+                            </p:childTnLst>
+                          </p:cTn>
+                        </p:par>
                       </p:childTnLst>
                     </p:cTn>
                   </p:par>
@@ -5932,7 +5981,7 @@
                 </a:solidFill>
                 <a:latin typeface="Menlo" panose="020B0609030804020204" pitchFamily="49" charset="0"/>
               </a:rPr>
-              <a:t>p1</a:t>
+              <a:t>p</a:t>
             </a:r>
             <a:r>
               <a:rPr lang="en" altLang="zh-CN" dirty="0">
@@ -6024,7 +6073,7 @@
                 </a:solidFill>
                 <a:latin typeface="Menlo" panose="020B0609030804020204" pitchFamily="49" charset="0"/>
               </a:rPr>
-              <a:t>p1</a:t>
+              <a:t>p</a:t>
             </a:r>
             <a:r>
               <a:rPr lang="en" altLang="zh-CN" dirty="0">
@@ -6547,30 +6596,66 @@
                             </p:childTnLst>
                           </p:cTn>
                         </p:par>
-                      </p:childTnLst>
-                    </p:cTn>
-                  </p:par>
-                  <p:par>
-                    <p:cTn id="7" fill="hold">
-                      <p:stCondLst>
-                        <p:cond delay="indefinite"/>
-                      </p:stCondLst>
-                      <p:childTnLst>
                         <p:par>
-                          <p:cTn id="8" fill="hold">
+                          <p:cTn id="7" fill="hold">
                             <p:stCondLst>
                               <p:cond delay="0"/>
                             </p:stCondLst>
                             <p:childTnLst>
                               <p:par>
-                                <p:cTn id="9" presetID="1" presetClass="entr" presetSubtype="0" fill="hold" grpId="0" nodeType="clickEffect">
+                                <p:cTn id="8" presetID="1" presetClass="entr" presetSubtype="0" fill="hold" nodeType="afterEffect">
                                   <p:stCondLst>
                                     <p:cond delay="0"/>
                                   </p:stCondLst>
                                   <p:childTnLst>
                                     <p:set>
                                       <p:cBhvr>
-                                        <p:cTn id="10" dur="1" fill="hold">
+                                        <p:cTn id="9" dur="1" fill="hold">
+                                          <p:stCondLst>
+                                            <p:cond delay="0"/>
+                                          </p:stCondLst>
+                                        </p:cTn>
+                                        <p:tgtEl>
+                                          <p:spTgt spid="7"/>
+                                        </p:tgtEl>
+                                        <p:attrNameLst>
+                                          <p:attrName>style.visibility</p:attrName>
+                                        </p:attrNameLst>
+                                      </p:cBhvr>
+                                      <p:to>
+                                        <p:strVal val="visible"/>
+                                      </p:to>
+                                    </p:set>
+                                  </p:childTnLst>
+                                </p:cTn>
+                              </p:par>
+                            </p:childTnLst>
+                          </p:cTn>
+                        </p:par>
+                      </p:childTnLst>
+                    </p:cTn>
+                  </p:par>
+                  <p:par>
+                    <p:cTn id="10" fill="hold">
+                      <p:stCondLst>
+                        <p:cond delay="indefinite"/>
+                      </p:stCondLst>
+                      <p:childTnLst>
+                        <p:par>
+                          <p:cTn id="11" fill="hold">
+                            <p:stCondLst>
+                              <p:cond delay="0"/>
+                            </p:stCondLst>
+                            <p:childTnLst>
+                              <p:par>
+                                <p:cTn id="12" presetID="1" presetClass="entr" presetSubtype="0" fill="hold" grpId="0" nodeType="clickEffect">
+                                  <p:stCondLst>
+                                    <p:cond delay="0"/>
+                                  </p:stCondLst>
+                                  <p:childTnLst>
+                                    <p:set>
+                                      <p:cBhvr>
+                                        <p:cTn id="13" dur="1" fill="hold">
                                           <p:stCondLst>
                                             <p:cond delay="0"/>
                                           </p:stCondLst>
@@ -14952,59 +15037,6 @@
           </a:p>
         </p:txBody>
       </p:sp>
-      <p:sp>
-        <p:nvSpPr>
-          <p:cNvPr id="12" name="矩形 11">
-            <a:extLst>
-              <a:ext uri="{FF2B5EF4-FFF2-40B4-BE49-F238E27FC236}">
-                <a16:creationId xmlns:a16="http://schemas.microsoft.com/office/drawing/2014/main" id="{347D9BF9-8128-C749-8121-2B07C5BD51C0}"/>
-              </a:ext>
-            </a:extLst>
-          </p:cNvPr>
-          <p:cNvSpPr/>
-          <p:nvPr/>
-        </p:nvSpPr>
-        <p:spPr>
-          <a:xfrm>
-            <a:off x="1670714" y="6457890"/>
-            <a:ext cx="2031325" cy="400110"/>
-          </a:xfrm>
-          <a:prstGeom prst="rect">
-            <a:avLst/>
-          </a:prstGeom>
-          <a:solidFill>
-            <a:schemeClr val="bg1"/>
-          </a:solidFill>
-        </p:spPr>
-        <p:txBody>
-          <a:bodyPr wrap="none">
-            <a:spAutoFit/>
-          </a:bodyPr>
-          <a:lstStyle/>
-          <a:p>
-            <a:r>
-              <a:rPr lang="en" altLang="zh-CN" sz="2000" dirty="0" err="1">
-                <a:solidFill>
-                  <a:srgbClr val="0000CC"/>
-                </a:solidFill>
-                <a:highlight>
-                  <a:srgbClr val="FFFF00"/>
-                </a:highlight>
-                <a:latin typeface="Menlo" panose="020B0609030804020204" pitchFamily="49" charset="0"/>
-              </a:rPr>
-              <a:t>function.cpp</a:t>
-            </a:r>
-            <a:endParaRPr lang="zh-CN" altLang="en-US" sz="2000" dirty="0">
-              <a:solidFill>
-                <a:srgbClr val="0000CC"/>
-              </a:solidFill>
-              <a:highlight>
-                <a:srgbClr val="FFFF00"/>
-              </a:highlight>
-            </a:endParaRPr>
-          </a:p>
-        </p:txBody>
-      </p:sp>
     </p:spTree>
     <p:extLst>
       <p:ext uri="{BB962C8B-B14F-4D97-AF65-F5344CB8AC3E}">
@@ -15049,7 +15081,79 @@
                                           </p:stCondLst>
                                         </p:cTn>
                                         <p:tgtEl>
-                                          <p:spTgt spid="12"/>
+                                          <p:spTgt spid="35"/>
+                                        </p:tgtEl>
+                                        <p:attrNameLst>
+                                          <p:attrName>style.visibility</p:attrName>
+                                        </p:attrNameLst>
+                                      </p:cBhvr>
+                                      <p:to>
+                                        <p:strVal val="visible"/>
+                                      </p:to>
+                                    </p:set>
+                                  </p:childTnLst>
+                                </p:cTn>
+                              </p:par>
+                            </p:childTnLst>
+                          </p:cTn>
+                        </p:par>
+                      </p:childTnLst>
+                    </p:cTn>
+                  </p:par>
+                  <p:par>
+                    <p:cTn id="7" fill="hold">
+                      <p:stCondLst>
+                        <p:cond delay="indefinite"/>
+                      </p:stCondLst>
+                      <p:childTnLst>
+                        <p:par>
+                          <p:cTn id="8" fill="hold">
+                            <p:stCondLst>
+                              <p:cond delay="0"/>
+                            </p:stCondLst>
+                            <p:childTnLst>
+                              <p:par>
+                                <p:cTn id="9" presetID="1" presetClass="entr" presetSubtype="0" fill="hold" nodeType="clickEffect">
+                                  <p:stCondLst>
+                                    <p:cond delay="0"/>
+                                  </p:stCondLst>
+                                  <p:childTnLst>
+                                    <p:set>
+                                      <p:cBhvr>
+                                        <p:cTn id="10" dur="1" fill="hold">
+                                          <p:stCondLst>
+                                            <p:cond delay="0"/>
+                                          </p:stCondLst>
+                                        </p:cTn>
+                                        <p:tgtEl>
+                                          <p:spTgt spid="9"/>
+                                        </p:tgtEl>
+                                        <p:attrNameLst>
+                                          <p:attrName>style.visibility</p:attrName>
+                                        </p:attrNameLst>
+                                      </p:cBhvr>
+                                      <p:to>
+                                        <p:strVal val="visible"/>
+                                      </p:to>
+                                    </p:set>
+                                  </p:childTnLst>
+                                </p:cTn>
+                              </p:par>
+                              <p:par>
+                                <p:cTn id="11" presetID="1" presetClass="entr" presetSubtype="0" fill="hold" nodeType="withEffect">
+                                  <p:stCondLst>
+                                    <p:cond delay="0"/>
+                                  </p:stCondLst>
+                                  <p:childTnLst>
+                                    <p:set>
+                                      <p:cBhvr>
+                                        <p:cTn id="12" dur="1" fill="hold">
+                                          <p:stCondLst>
+                                            <p:cond delay="0"/>
+                                          </p:stCondLst>
+                                        </p:cTn>
+                                        <p:tgtEl>
+                                          <p:spTgt spid="29"/>
                                         </p:tgtEl>
                                         <p:attrNameLst>
                                           <p:attrName>style.visibility</p:attrName>
@@ -15090,7 +15194,7 @@
       </p:par>
     </p:tnLst>
     <p:bldLst>
-      <p:bldP spid="12" grpId="0" animBg="1"/>
+      <p:bldP spid="35" grpId="0" animBg="1"/>
     </p:bldLst>
   </p:timing>
 </p:sld>
@@ -22170,7 +22274,7 @@
                 </a:solidFill>
                 <a:latin typeface="Menlo" panose="020B0609030804020204" pitchFamily="49" charset="0"/>
               </a:rPr>
-              <a:t>mat_ref</a:t>
+              <a:t>matA_ref</a:t>
             </a:r>
             <a:r>
               <a:rPr lang="en" altLang="zh-CN" dirty="0">
@@ -25628,8 +25732,8 @@
             <a:chExt cx="1006920" cy="1128240"/>
           </a:xfrm>
         </p:grpSpPr>
-        <mc:AlternateContent xmlns:mc="http://schemas.openxmlformats.org/markup-compatibility/2006">
-          <mc:Choice xmlns:p14="http://schemas.microsoft.com/office/powerpoint/2010/main" Requires="p14">
+        <mc:AlternateContent xmlns:mc="http://schemas.openxmlformats.org/markup-compatibility/2006" xmlns:p14="http://schemas.microsoft.com/office/powerpoint/2010/main">
+          <mc:Choice Requires="p14">
             <p:contentPart p14:bwMode="auto" r:id="rId4">
               <p14:nvContentPartPr>
                 <p14:cNvPr id="6" name="墨迹 5">
@@ -25648,7 +25752,7 @@
               </p14:xfrm>
             </p:contentPart>
           </mc:Choice>
-          <mc:Fallback>
+          <mc:Fallback xmlns="">
             <p:pic>
               <p:nvPicPr>
                 <p:cNvPr id="6" name="墨迹 5">
@@ -25679,8 +25783,8 @@
             </p:pic>
           </mc:Fallback>
         </mc:AlternateContent>
-        <mc:AlternateContent xmlns:mc="http://schemas.openxmlformats.org/markup-compatibility/2006">
-          <mc:Choice xmlns:p14="http://schemas.microsoft.com/office/powerpoint/2010/main" Requires="p14">
+        <mc:AlternateContent xmlns:mc="http://schemas.openxmlformats.org/markup-compatibility/2006" xmlns:p14="http://schemas.microsoft.com/office/powerpoint/2010/main">
+          <mc:Choice Requires="p14">
             <p:contentPart p14:bwMode="auto" r:id="rId6">
               <p14:nvContentPartPr>
                 <p14:cNvPr id="7" name="墨迹 6">
@@ -25699,7 +25803,7 @@
               </p14:xfrm>
             </p:contentPart>
           </mc:Choice>
-          <mc:Fallback>
+          <mc:Fallback xmlns="">
             <p:pic>
               <p:nvPicPr>
                 <p:cNvPr id="7" name="墨迹 6">
@@ -28090,7 +28194,7 @@
           <a:p>
             <a:r>
               <a:rPr kumimoji="1" lang="en-US" altLang="zh-CN" dirty="0"/>
-              <a:t>Such as a matrix addition function</a:t>
+              <a:t>Such as a matrix addition function (A+B-&gt;C)</a:t>
             </a:r>
           </a:p>
           <a:p>
@@ -30017,7 +30121,7 @@
         </p:nvSpPr>
         <p:spPr>
           <a:xfrm>
-            <a:off x="6634279" y="2185122"/>
+            <a:off x="6634279" y="2278110"/>
             <a:ext cx="5301521" cy="2031325"/>
           </a:xfrm>
           <a:prstGeom prst="rect">
@@ -30846,6 +30950,21 @@
                 <a:close/>
               </a:path>
               <a:path w="4548891" h="2211453" fill="none" extrusionOk="0">
+                <a:moveTo>
+                  <a:pt x="4937" y="1178542"/>
+                </a:moveTo>
+                <a:cubicBezTo>
+                  <a:pt x="820" y="568922"/>
+                  <a:pt x="552218" y="67788"/>
+                  <a:pt x="1879180" y="16825"/>
+                </a:cubicBezTo>
+                <a:cubicBezTo>
+                  <a:pt x="2456138" y="-62252"/>
+                  <a:pt x="2971636" y="12394"/>
+                  <a:pt x="3474091" y="166313"/>
+                </a:cubicBezTo>
+              </a:path>
+              <a:path w="4548891" h="2211453" fill="none" stroke="0" extrusionOk="0">
                 <a:moveTo>
                   <a:pt x="4937" y="1178542"/>
                 </a:moveTo>
@@ -31405,6 +31524,21 @@
                 <a:close/>
               </a:path>
               <a:path w="5606010" h="2782871" fill="none" extrusionOk="0">
+                <a:moveTo>
+                  <a:pt x="5603086" y="1327891"/>
+                </a:moveTo>
+                <a:cubicBezTo>
+                  <a:pt x="5843541" y="1876875"/>
+                  <a:pt x="4705612" y="2458034"/>
+                  <a:pt x="3267728" y="2763614"/>
+                </a:cubicBezTo>
+                <a:cubicBezTo>
+                  <a:pt x="2461379" y="2838484"/>
+                  <a:pt x="1803736" y="2729758"/>
+                  <a:pt x="1226450" y="2541916"/>
+                </a:cubicBezTo>
+              </a:path>
+              <a:path w="5606010" h="2782871" fill="none" stroke="0" extrusionOk="0">
                 <a:moveTo>
                   <a:pt x="5603086" y="1327891"/>
                 </a:moveTo>
@@ -32483,85 +32617,6 @@
   <p:clrMapOvr>
     <a:masterClrMapping/>
   </p:clrMapOvr>
-  <p:timing>
-    <p:tnLst>
-      <p:par>
-        <p:cTn id="1" dur="indefinite" restart="never" nodeType="tmRoot">
-          <p:childTnLst>
-            <p:seq concurrent="1" nextAc="seek">
-              <p:cTn id="2" dur="indefinite" nodeType="mainSeq">
-                <p:childTnLst>
-                  <p:par>
-                    <p:cTn id="3" fill="hold">
-                      <p:stCondLst>
-                        <p:cond delay="indefinite"/>
-                      </p:stCondLst>
-                      <p:childTnLst>
-                        <p:par>
-                          <p:cTn id="4" fill="hold">
-                            <p:stCondLst>
-                              <p:cond delay="0"/>
-                            </p:stCondLst>
-                            <p:childTnLst>
-                              <p:par>
-                                <p:cTn id="5" presetID="1" presetClass="entr" presetSubtype="0" fill="hold" nodeType="clickEffect">
-                                  <p:stCondLst>
-                                    <p:cond delay="0"/>
-                                  </p:stCondLst>
-                                  <p:childTnLst>
-                                    <p:set>
-                                      <p:cBhvr>
-                                        <p:cTn id="6" dur="1" fill="hold">
-                                          <p:stCondLst>
-                                            <p:cond delay="0"/>
-                                          </p:stCondLst>
-                                        </p:cTn>
-                                        <p:tgtEl>
-                                          <p:spTgt spid="5">
-                                            <p:txEl>
-                                              <p:pRg st="9" end="9"/>
-                                            </p:txEl>
-                                          </p:spTgt>
-                                        </p:tgtEl>
-                                        <p:attrNameLst>
-                                          <p:attrName>style.visibility</p:attrName>
-                                        </p:attrNameLst>
-                                      </p:cBhvr>
-                                      <p:to>
-                                        <p:strVal val="visible"/>
-                                      </p:to>
-                                    </p:set>
-                                  </p:childTnLst>
-                                </p:cTn>
-                              </p:par>
-                            </p:childTnLst>
-                          </p:cTn>
-                        </p:par>
-                      </p:childTnLst>
-                    </p:cTn>
-                  </p:par>
-                </p:childTnLst>
-              </p:cTn>
-              <p:prevCondLst>
-                <p:cond evt="onPrev" delay="0">
-                  <p:tgtEl>
-                    <p:sldTgt/>
-                  </p:tgtEl>
-                </p:cond>
-              </p:prevCondLst>
-              <p:nextCondLst>
-                <p:cond evt="onNext" delay="0">
-                  <p:tgtEl>
-                    <p:sldTgt/>
-                  </p:tgtEl>
-                </p:cond>
-              </p:nextCondLst>
-            </p:seq>
-          </p:childTnLst>
-        </p:cTn>
-      </p:par>
-    </p:tnLst>
-  </p:timing>
 </p:sld>
 </file>
 

--- a/week06/Lecture06.pptx
+++ b/week06/Lecture06.pptx
@@ -539,7 +539,7 @@
           <a:p>
             <a:fld id="{634F3F22-B4BB-3F48-9180-464A9F2D66D1}" type="datetimeFigureOut">
               <a:rPr kumimoji="1" lang="zh-CN" altLang="en-US" smtClean="0"/>
-              <a:t>2021/10/16</a:t>
+              <a:t>2024/3/26</a:t>
             </a:fld>
             <a:endParaRPr kumimoji="1" lang="zh-CN" altLang="en-US"/>
           </a:p>
@@ -1019,7 +1019,7 @@
           <a:p>
             <a:fld id="{FC19A4FA-3D9A-4114-B0D5-759CBD56F1AB}" type="datetimeFigureOut">
               <a:rPr lang="zh-CN" altLang="en-US" smtClean="0"/>
-              <a:t>2021/10/16</a:t>
+              <a:t>2024/3/26</a:t>
             </a:fld>
             <a:endParaRPr lang="zh-CN" altLang="en-US"/>
           </a:p>
@@ -1222,7 +1222,7 @@
           <a:p>
             <a:fld id="{FC19A4FA-3D9A-4114-B0D5-759CBD56F1AB}" type="datetimeFigureOut">
               <a:rPr lang="zh-CN" altLang="en-US" smtClean="0"/>
-              <a:t>2021/10/16</a:t>
+              <a:t>2024/3/26</a:t>
             </a:fld>
             <a:endParaRPr lang="zh-CN" altLang="en-US"/>
           </a:p>
@@ -1400,7 +1400,7 @@
           <a:p>
             <a:fld id="{FC19A4FA-3D9A-4114-B0D5-759CBD56F1AB}" type="datetimeFigureOut">
               <a:rPr lang="zh-CN" altLang="en-US" smtClean="0"/>
-              <a:t>2021/10/16</a:t>
+              <a:t>2024/3/26</a:t>
             </a:fld>
             <a:endParaRPr lang="zh-CN" altLang="en-US"/>
           </a:p>
@@ -1624,7 +1624,7 @@
           <a:p>
             <a:fld id="{FC19A4FA-3D9A-4114-B0D5-759CBD56F1AB}" type="datetimeFigureOut">
               <a:rPr lang="zh-CN" altLang="en-US" smtClean="0"/>
-              <a:t>2021/10/16</a:t>
+              <a:t>2024/3/26</a:t>
             </a:fld>
             <a:endParaRPr lang="zh-CN" altLang="en-US"/>
           </a:p>
@@ -1858,7 +1858,7 @@
           <a:p>
             <a:fld id="{FC19A4FA-3D9A-4114-B0D5-759CBD56F1AB}" type="datetimeFigureOut">
               <a:rPr lang="zh-CN" altLang="en-US" smtClean="0"/>
-              <a:t>2021/10/16</a:t>
+              <a:t>2024/3/26</a:t>
             </a:fld>
             <a:endParaRPr lang="zh-CN" altLang="en-US"/>
           </a:p>
@@ -2257,7 +2257,7 @@
           <a:p>
             <a:fld id="{FC19A4FA-3D9A-4114-B0D5-759CBD56F1AB}" type="datetimeFigureOut">
               <a:rPr lang="zh-CN" altLang="en-US" smtClean="0"/>
-              <a:t>2021/10/16</a:t>
+              <a:t>2024/3/26</a:t>
             </a:fld>
             <a:endParaRPr lang="zh-CN" altLang="en-US"/>
           </a:p>
@@ -2537,7 +2537,7 @@
           <a:p>
             <a:fld id="{FC19A4FA-3D9A-4114-B0D5-759CBD56F1AB}" type="datetimeFigureOut">
               <a:rPr lang="zh-CN" altLang="en-US" smtClean="0"/>
-              <a:t>2021/10/16</a:t>
+              <a:t>2024/3/26</a:t>
             </a:fld>
             <a:endParaRPr lang="zh-CN" altLang="en-US"/>
           </a:p>
@@ -2689,7 +2689,7 @@
           <a:p>
             <a:fld id="{FC19A4FA-3D9A-4114-B0D5-759CBD56F1AB}" type="datetimeFigureOut">
               <a:rPr lang="zh-CN" altLang="en-US" smtClean="0"/>
-              <a:t>2021/10/16</a:t>
+              <a:t>2024/3/26</a:t>
             </a:fld>
             <a:endParaRPr lang="zh-CN" altLang="en-US"/>
           </a:p>
@@ -2819,7 +2819,7 @@
           <a:p>
             <a:fld id="{FC19A4FA-3D9A-4114-B0D5-759CBD56F1AB}" type="datetimeFigureOut">
               <a:rPr lang="zh-CN" altLang="en-US" smtClean="0"/>
-              <a:t>2021/10/16</a:t>
+              <a:t>2024/3/26</a:t>
             </a:fld>
             <a:endParaRPr lang="zh-CN" altLang="en-US"/>
           </a:p>
@@ -3129,7 +3129,7 @@
           <a:p>
             <a:fld id="{FC19A4FA-3D9A-4114-B0D5-759CBD56F1AB}" type="datetimeFigureOut">
               <a:rPr lang="zh-CN" altLang="en-US" smtClean="0"/>
-              <a:t>2021/10/16</a:t>
+              <a:t>2024/3/26</a:t>
             </a:fld>
             <a:endParaRPr lang="zh-CN" altLang="en-US"/>
           </a:p>
@@ -3416,7 +3416,7 @@
           <a:p>
             <a:fld id="{FC19A4FA-3D9A-4114-B0D5-759CBD56F1AB}" type="datetimeFigureOut">
               <a:rPr lang="zh-CN" altLang="en-US" smtClean="0"/>
-              <a:t>2021/10/16</a:t>
+              <a:t>2024/3/26</a:t>
             </a:fld>
             <a:endParaRPr lang="zh-CN" altLang="en-US"/>
           </a:p>
@@ -3709,7 +3709,7 @@
           <a:p>
             <a:fld id="{FC19A4FA-3D9A-4114-B0D5-759CBD56F1AB}" type="datetimeFigureOut">
               <a:rPr lang="zh-CN" altLang="en-US" smtClean="0"/>
-              <a:t>2021/10/16</a:t>
+              <a:t>2024/3/26</a:t>
             </a:fld>
             <a:endParaRPr lang="zh-CN" altLang="en-US"/>
           </a:p>
@@ -7853,7 +7853,7 @@
           <p:nvPr>
             <p:extLst>
               <p:ext uri="{D42A27DB-BD31-4B8C-83A1-F6EECF244321}">
-                <p14:modId xmlns:p14="http://schemas.microsoft.com/office/powerpoint/2010/main" val="1413987770"/>
+                <p14:modId xmlns:p14="http://schemas.microsoft.com/office/powerpoint/2010/main" val="301298494"/>
               </p:ext>
             </p:extLst>
           </p:nvPr>
@@ -8139,9 +8139,7 @@
                       <a:headEnd type="none" w="med" len="med"/>
                       <a:tailEnd type="none" w="med" len="med"/>
                     </a:lnB>
-                    <a:solidFill>
-                      <a:srgbClr val="E2EFDA"/>
-                    </a:solidFill>
+                    <a:noFill/>
                   </a:tcPr>
                 </a:tc>
                 <a:tc>
@@ -8702,9 +8700,7 @@
                       <a:headEnd type="none" w="med" len="med"/>
                       <a:tailEnd type="none" w="med" len="med"/>
                     </a:lnB>
-                    <a:solidFill>
-                      <a:srgbClr val="E2EFDA"/>
-                    </a:solidFill>
+                    <a:noFill/>
                   </a:tcPr>
                 </a:tc>
                 <a:tc>
@@ -9017,9 +9013,7 @@
                       <a:headEnd type="none" w="med" len="med"/>
                       <a:tailEnd type="none" w="med" len="med"/>
                     </a:lnB>
-                    <a:solidFill>
-                      <a:srgbClr val="E2EFDA"/>
-                    </a:solidFill>
+                    <a:noFill/>
                   </a:tcPr>
                 </a:tc>
                 <a:tc>
@@ -9409,7 +9403,7 @@
           <p:nvPr>
             <p:extLst>
               <p:ext uri="{D42A27DB-BD31-4B8C-83A1-F6EECF244321}">
-                <p14:modId xmlns:p14="http://schemas.microsoft.com/office/powerpoint/2010/main" val="501769302"/>
+                <p14:modId xmlns:p14="http://schemas.microsoft.com/office/powerpoint/2010/main" val="2790607275"/>
               </p:ext>
             </p:extLst>
           </p:nvPr>
@@ -9685,9 +9679,7 @@
                       <a:headEnd type="none" w="med" len="med"/>
                       <a:tailEnd type="none" w="med" len="med"/>
                     </a:lnB>
-                    <a:solidFill>
-                      <a:srgbClr val="E2EFDA"/>
-                    </a:solidFill>
+                    <a:noFill/>
                   </a:tcPr>
                 </a:tc>
                 <a:tc>
@@ -10248,9 +10240,7 @@
                       <a:headEnd type="none" w="med" len="med"/>
                       <a:tailEnd type="none" w="med" len="med"/>
                     </a:lnB>
-                    <a:solidFill>
-                      <a:srgbClr val="E2EFDA"/>
-                    </a:solidFill>
+                    <a:noFill/>
                   </a:tcPr>
                 </a:tc>
                 <a:tc>
@@ -10563,9 +10553,7 @@
                       <a:headEnd type="none" w="med" len="med"/>
                       <a:tailEnd type="none" w="med" len="med"/>
                     </a:lnB>
-                    <a:solidFill>
-                      <a:srgbClr val="E2EFDA"/>
-                    </a:solidFill>
+                    <a:noFill/>
                   </a:tcPr>
                 </a:tc>
                 <a:tc>
@@ -10955,7 +10943,7 @@
           <p:nvPr>
             <p:extLst>
               <p:ext uri="{D42A27DB-BD31-4B8C-83A1-F6EECF244321}">
-                <p14:modId xmlns:p14="http://schemas.microsoft.com/office/powerpoint/2010/main" val="2858336346"/>
+                <p14:modId xmlns:p14="http://schemas.microsoft.com/office/powerpoint/2010/main" val="2524884324"/>
               </p:ext>
             </p:extLst>
           </p:nvPr>
@@ -11176,9 +11164,7 @@
                       <a:headEnd type="none" w="med" len="med"/>
                       <a:tailEnd type="none" w="med" len="med"/>
                     </a:lnB>
-                    <a:solidFill>
-                      <a:srgbClr val="E2EFDA"/>
-                    </a:solidFill>
+                    <a:noFill/>
                   </a:tcPr>
                 </a:tc>
                 <a:tc>
@@ -11497,9 +11483,7 @@
                       <a:headEnd type="none" w="med" len="med"/>
                       <a:tailEnd type="none" w="med" len="med"/>
                     </a:lnB>
-                    <a:solidFill>
-                      <a:srgbClr val="E2EFDA"/>
-                    </a:solidFill>
+                    <a:noFill/>
                   </a:tcPr>
                 </a:tc>
                 <a:tc>
@@ -11602,9 +11586,7 @@
                       <a:headEnd type="none" w="med" len="med"/>
                       <a:tailEnd type="none" w="med" len="med"/>
                     </a:lnB>
-                    <a:solidFill>
-                      <a:srgbClr val="E2EFDA"/>
-                    </a:solidFill>
+                    <a:noFill/>
                   </a:tcPr>
                 </a:tc>
                 <a:tc>
@@ -11658,7 +11640,7 @@
                     <a:p>
                       <a:pPr algn="ctr" fontAlgn="ctr"/>
                       <a:r>
-                        <a:rPr lang="zh-CN" altLang="en-US" sz="900" b="0" i="0" u="none" strike="noStrike">
+                        <a:rPr lang="zh-CN" altLang="en-US" sz="900" b="0" i="0" u="none" strike="noStrike" dirty="0">
                           <a:solidFill>
                             <a:srgbClr val="000000"/>
                           </a:solidFill>
@@ -11707,9 +11689,7 @@
                       <a:headEnd type="none" w="med" len="med"/>
                       <a:tailEnd type="none" w="med" len="med"/>
                     </a:lnB>
-                    <a:solidFill>
-                      <a:srgbClr val="E2EFDA"/>
-                    </a:solidFill>
+                    <a:noFill/>
                   </a:tcPr>
                 </a:tc>
                 <a:tc>
@@ -11763,7 +11743,7 @@
                     <a:p>
                       <a:pPr algn="ctr" fontAlgn="ctr"/>
                       <a:r>
-                        <a:rPr lang="zh-CN" altLang="en-US" sz="900" b="0" i="0" u="none" strike="noStrike">
+                        <a:rPr lang="zh-CN" altLang="en-US" sz="900" b="0" i="0" u="none" strike="noStrike" dirty="0">
                           <a:solidFill>
                             <a:srgbClr val="000000"/>
                           </a:solidFill>
@@ -11812,9 +11792,7 @@
                       <a:headEnd type="none" w="med" len="med"/>
                       <a:tailEnd type="none" w="med" len="med"/>
                     </a:lnB>
-                    <a:solidFill>
-                      <a:srgbClr val="E2EFDA"/>
-                    </a:solidFill>
+                    <a:noFill/>
                   </a:tcPr>
                 </a:tc>
                 <a:tc>
@@ -11917,9 +11895,7 @@
                       <a:headEnd type="none" w="med" len="med"/>
                       <a:tailEnd type="none" w="med" len="med"/>
                     </a:lnB>
-                    <a:solidFill>
-                      <a:srgbClr val="E2EFDA"/>
-                    </a:solidFill>
+                    <a:noFill/>
                   </a:tcPr>
                 </a:tc>
                 <a:tc>
@@ -11973,7 +11949,7 @@
                     <a:p>
                       <a:pPr algn="ctr" fontAlgn="ctr"/>
                       <a:r>
-                        <a:rPr lang="zh-CN" altLang="en-US" sz="900" b="0" i="0" u="none" strike="noStrike">
+                        <a:rPr lang="zh-CN" altLang="en-US" sz="900" b="0" i="0" u="none" strike="noStrike" dirty="0">
                           <a:solidFill>
                             <a:srgbClr val="000000"/>
                           </a:solidFill>
@@ -12022,9 +11998,7 @@
                       <a:headEnd type="none" w="med" len="med"/>
                       <a:tailEnd type="none" w="med" len="med"/>
                     </a:lnB>
-                    <a:solidFill>
-                      <a:srgbClr val="E2EFDA"/>
-                    </a:solidFill>
+                    <a:noFill/>
                   </a:tcPr>
                 </a:tc>
                 <a:tc>
@@ -12078,7 +12052,7 @@
                     <a:p>
                       <a:pPr algn="ctr" fontAlgn="ctr"/>
                       <a:r>
-                        <a:rPr lang="zh-CN" altLang="en-US" sz="900" b="0" i="0" u="none" strike="noStrike">
+                        <a:rPr lang="zh-CN" altLang="en-US" sz="900" b="0" i="0" u="none" strike="noStrike" dirty="0">
                           <a:solidFill>
                             <a:srgbClr val="000000"/>
                           </a:solidFill>
@@ -12127,9 +12101,7 @@
                       <a:headEnd type="none" w="med" len="med"/>
                       <a:tailEnd type="none" w="med" len="med"/>
                     </a:lnB>
-                    <a:solidFill>
-                      <a:srgbClr val="E2EFDA"/>
-                    </a:solidFill>
+                    <a:noFill/>
                   </a:tcPr>
                 </a:tc>
                 <a:tc>
@@ -12183,7 +12155,7 @@
                     <a:p>
                       <a:pPr algn="ctr" fontAlgn="ctr"/>
                       <a:r>
-                        <a:rPr lang="zh-CN" altLang="en-US" sz="900" b="0" i="0" u="none" strike="noStrike">
+                        <a:rPr lang="zh-CN" altLang="en-US" sz="900" b="0" i="0" u="none" strike="noStrike" dirty="0">
                           <a:solidFill>
                             <a:srgbClr val="000000"/>
                           </a:solidFill>
@@ -12232,9 +12204,7 @@
                       <a:headEnd type="none" w="med" len="med"/>
                       <a:tailEnd type="none" w="med" len="med"/>
                     </a:lnB>
-                    <a:solidFill>
-                      <a:srgbClr val="E2EFDA"/>
-                    </a:solidFill>
+                    <a:noFill/>
                   </a:tcPr>
                 </a:tc>
                 <a:tc>
@@ -12288,7 +12258,7 @@
                     <a:p>
                       <a:pPr algn="ctr" fontAlgn="ctr"/>
                       <a:r>
-                        <a:rPr lang="zh-CN" altLang="en-US" sz="900" b="0" i="0" u="none" strike="noStrike">
+                        <a:rPr lang="zh-CN" altLang="en-US" sz="900" b="0" i="0" u="none" strike="noStrike" dirty="0">
                           <a:solidFill>
                             <a:srgbClr val="000000"/>
                           </a:solidFill>
@@ -12337,9 +12307,7 @@
                       <a:headEnd type="none" w="med" len="med"/>
                       <a:tailEnd type="none" w="med" len="med"/>
                     </a:lnB>
-                    <a:solidFill>
-                      <a:srgbClr val="E2EFDA"/>
-                    </a:solidFill>
+                    <a:noFill/>
                   </a:tcPr>
                 </a:tc>
                 <a:tc>
@@ -12393,7 +12361,7 @@
                     <a:p>
                       <a:pPr algn="ctr" fontAlgn="ctr"/>
                       <a:r>
-                        <a:rPr lang="zh-CN" altLang="en-US" sz="900" b="0" i="0" u="none" strike="noStrike">
+                        <a:rPr lang="zh-CN" altLang="en-US" sz="900" b="0" i="0" u="none" strike="noStrike" dirty="0">
                           <a:solidFill>
                             <a:srgbClr val="000000"/>
                           </a:solidFill>
@@ -12442,9 +12410,7 @@
                       <a:headEnd type="none" w="med" len="med"/>
                       <a:tailEnd type="none" w="med" len="med"/>
                     </a:lnB>
-                    <a:solidFill>
-                      <a:srgbClr val="E2EFDA"/>
-                    </a:solidFill>
+                    <a:noFill/>
                   </a:tcPr>
                 </a:tc>
                 <a:tc>
@@ -12498,7 +12464,7 @@
                     <a:p>
                       <a:pPr algn="ctr" fontAlgn="ctr"/>
                       <a:r>
-                        <a:rPr lang="zh-CN" altLang="en-US" sz="900" b="0" i="0" u="none" strike="noStrike">
+                        <a:rPr lang="zh-CN" altLang="en-US" sz="900" b="0" i="0" u="none" strike="noStrike" dirty="0">
                           <a:solidFill>
                             <a:srgbClr val="000000"/>
                           </a:solidFill>
@@ -12547,9 +12513,7 @@
                       <a:headEnd type="none" w="med" len="med"/>
                       <a:tailEnd type="none" w="med" len="med"/>
                     </a:lnB>
-                    <a:solidFill>
-                      <a:srgbClr val="E2EFDA"/>
-                    </a:solidFill>
+                    <a:noFill/>
                   </a:tcPr>
                 </a:tc>
                 <a:tc>
@@ -12603,7 +12567,7 @@
                     <a:p>
                       <a:pPr algn="ctr" fontAlgn="ctr"/>
                       <a:r>
-                        <a:rPr lang="zh-CN" altLang="en-US" sz="900" b="0" i="0" u="none" strike="noStrike">
+                        <a:rPr lang="zh-CN" altLang="en-US" sz="900" b="0" i="0" u="none" strike="noStrike" dirty="0">
                           <a:solidFill>
                             <a:srgbClr val="000000"/>
                           </a:solidFill>
@@ -12652,9 +12616,7 @@
                       <a:headEnd type="none" w="med" len="med"/>
                       <a:tailEnd type="none" w="med" len="med"/>
                     </a:lnB>
-                    <a:solidFill>
-                      <a:srgbClr val="E2EFDA"/>
-                    </a:solidFill>
+                    <a:noFill/>
                   </a:tcPr>
                 </a:tc>
                 <a:tc>
@@ -12708,7 +12670,7 @@
                     <a:p>
                       <a:pPr algn="ctr" fontAlgn="ctr"/>
                       <a:r>
-                        <a:rPr lang="zh-CN" altLang="en-US" sz="900" b="0" i="0" u="none" strike="noStrike">
+                        <a:rPr lang="zh-CN" altLang="en-US" sz="900" b="0" i="0" u="none" strike="noStrike" dirty="0">
                           <a:solidFill>
                             <a:srgbClr val="000000"/>
                           </a:solidFill>
@@ -12757,9 +12719,7 @@
                       <a:headEnd type="none" w="med" len="med"/>
                       <a:tailEnd type="none" w="med" len="med"/>
                     </a:lnB>
-                    <a:solidFill>
-                      <a:srgbClr val="E2EFDA"/>
-                    </a:solidFill>
+                    <a:noFill/>
                   </a:tcPr>
                 </a:tc>
                 <a:tc>
@@ -12813,7 +12773,7 @@
                     <a:p>
                       <a:pPr algn="ctr" fontAlgn="ctr"/>
                       <a:r>
-                        <a:rPr lang="zh-CN" altLang="en-US" sz="900" b="0" i="0" u="none" strike="noStrike">
+                        <a:rPr lang="zh-CN" altLang="en-US" sz="900" b="0" i="0" u="none" strike="noStrike" dirty="0">
                           <a:solidFill>
                             <a:srgbClr val="000000"/>
                           </a:solidFill>
@@ -12862,9 +12822,7 @@
                       <a:headEnd type="none" w="med" len="med"/>
                       <a:tailEnd type="none" w="med" len="med"/>
                     </a:lnB>
-                    <a:solidFill>
-                      <a:srgbClr val="E2EFDA"/>
-                    </a:solidFill>
+                    <a:noFill/>
                   </a:tcPr>
                 </a:tc>
                 <a:tc>
@@ -12918,7 +12876,7 @@
                     <a:p>
                       <a:pPr algn="ctr" fontAlgn="ctr"/>
                       <a:r>
-                        <a:rPr lang="zh-CN" altLang="en-US" sz="900" b="0" i="0" u="none" strike="noStrike">
+                        <a:rPr lang="zh-CN" altLang="en-US" sz="900" b="0" i="0" u="none" strike="noStrike" dirty="0">
                           <a:solidFill>
                             <a:srgbClr val="000000"/>
                           </a:solidFill>
@@ -12967,9 +12925,7 @@
                       <a:headEnd type="none" w="med" len="med"/>
                       <a:tailEnd type="none" w="med" len="med"/>
                     </a:lnB>
-                    <a:solidFill>
-                      <a:srgbClr val="E2EFDA"/>
-                    </a:solidFill>
+                    <a:noFill/>
                   </a:tcPr>
                 </a:tc>
                 <a:tc>
@@ -13023,7 +12979,7 @@
                     <a:p>
                       <a:pPr algn="ctr" fontAlgn="ctr"/>
                       <a:r>
-                        <a:rPr lang="zh-CN" altLang="en-US" sz="900" b="0" i="0" u="none" strike="noStrike">
+                        <a:rPr lang="zh-CN" altLang="en-US" sz="900" b="0" i="0" u="none" strike="noStrike" dirty="0">
                           <a:solidFill>
                             <a:srgbClr val="000000"/>
                           </a:solidFill>
@@ -13072,9 +13028,7 @@
                       <a:headEnd type="none" w="med" len="med"/>
                       <a:tailEnd type="none" w="med" len="med"/>
                     </a:lnB>
-                    <a:solidFill>
-                      <a:srgbClr val="E2EFDA"/>
-                    </a:solidFill>
+                    <a:noFill/>
                   </a:tcPr>
                 </a:tc>
                 <a:tc>
@@ -13128,7 +13082,7 @@
                     <a:p>
                       <a:pPr algn="ctr" fontAlgn="ctr"/>
                       <a:r>
-                        <a:rPr lang="zh-CN" altLang="en-US" sz="900" b="0" i="0" u="none" strike="noStrike">
+                        <a:rPr lang="zh-CN" altLang="en-US" sz="900" b="0" i="0" u="none" strike="noStrike" dirty="0">
                           <a:solidFill>
                             <a:srgbClr val="000000"/>
                           </a:solidFill>
@@ -13177,9 +13131,7 @@
                       <a:headEnd type="none" w="med" len="med"/>
                       <a:tailEnd type="none" w="med" len="med"/>
                     </a:lnB>
-                    <a:solidFill>
-                      <a:srgbClr val="E2EFDA"/>
-                    </a:solidFill>
+                    <a:noFill/>
                   </a:tcPr>
                 </a:tc>
                 <a:tc>
@@ -13233,7 +13185,7 @@
                     <a:p>
                       <a:pPr algn="ctr" fontAlgn="ctr"/>
                       <a:r>
-                        <a:rPr lang="zh-CN" altLang="en-US" sz="900" b="0" i="0" u="none" strike="noStrike">
+                        <a:rPr lang="zh-CN" altLang="en-US" sz="900" b="0" i="0" u="none" strike="noStrike" dirty="0">
                           <a:solidFill>
                             <a:srgbClr val="000000"/>
                           </a:solidFill>
@@ -13282,9 +13234,7 @@
                       <a:headEnd type="none" w="med" len="med"/>
                       <a:tailEnd type="none" w="med" len="med"/>
                     </a:lnB>
-                    <a:solidFill>
-                      <a:srgbClr val="E2EFDA"/>
-                    </a:solidFill>
+                    <a:noFill/>
                   </a:tcPr>
                 </a:tc>
                 <a:tc>
@@ -13338,7 +13288,7 @@
                     <a:p>
                       <a:pPr algn="ctr" fontAlgn="ctr"/>
                       <a:r>
-                        <a:rPr lang="zh-CN" altLang="en-US" sz="900" b="0" i="0" u="none" strike="noStrike">
+                        <a:rPr lang="zh-CN" altLang="en-US" sz="900" b="0" i="0" u="none" strike="noStrike" dirty="0">
                           <a:solidFill>
                             <a:srgbClr val="000000"/>
                           </a:solidFill>
@@ -13387,9 +13337,7 @@
                       <a:headEnd type="none" w="med" len="med"/>
                       <a:tailEnd type="none" w="med" len="med"/>
                     </a:lnB>
-                    <a:solidFill>
-                      <a:srgbClr val="E2EFDA"/>
-                    </a:solidFill>
+                    <a:noFill/>
                   </a:tcPr>
                 </a:tc>
                 <a:tc>
@@ -13443,7 +13391,7 @@
                     <a:p>
                       <a:pPr algn="ctr" fontAlgn="ctr"/>
                       <a:r>
-                        <a:rPr lang="zh-CN" altLang="en-US" sz="900" b="0" i="0" u="none" strike="noStrike">
+                        <a:rPr lang="zh-CN" altLang="en-US" sz="900" b="0" i="0" u="none" strike="noStrike" dirty="0">
                           <a:solidFill>
                             <a:srgbClr val="000000"/>
                           </a:solidFill>
@@ -13492,9 +13440,7 @@
                       <a:headEnd type="none" w="med" len="med"/>
                       <a:tailEnd type="none" w="med" len="med"/>
                     </a:lnB>
-                    <a:solidFill>
-                      <a:srgbClr val="E2EFDA"/>
-                    </a:solidFill>
+                    <a:noFill/>
                   </a:tcPr>
                 </a:tc>
                 <a:tc>
@@ -13548,7 +13494,7 @@
                     <a:p>
                       <a:pPr algn="ctr" fontAlgn="ctr"/>
                       <a:r>
-                        <a:rPr lang="zh-CN" altLang="en-US" sz="900" b="0" i="0" u="none" strike="noStrike">
+                        <a:rPr lang="zh-CN" altLang="en-US" sz="900" b="0" i="0" u="none" strike="noStrike" dirty="0">
                           <a:solidFill>
                             <a:srgbClr val="000000"/>
                           </a:solidFill>
@@ -13597,9 +13543,7 @@
                       <a:headEnd type="none" w="med" len="med"/>
                       <a:tailEnd type="none" w="med" len="med"/>
                     </a:lnB>
-                    <a:solidFill>
-                      <a:srgbClr val="E2EFDA"/>
-                    </a:solidFill>
+                    <a:noFill/>
                   </a:tcPr>
                 </a:tc>
                 <a:tc>
@@ -13653,7 +13597,7 @@
                     <a:p>
                       <a:pPr algn="ctr" fontAlgn="ctr"/>
                       <a:r>
-                        <a:rPr lang="zh-CN" altLang="en-US" sz="900" b="0" i="0" u="none" strike="noStrike">
+                        <a:rPr lang="zh-CN" altLang="en-US" sz="900" b="0" i="0" u="none" strike="noStrike" dirty="0">
                           <a:solidFill>
                             <a:srgbClr val="000000"/>
                           </a:solidFill>
@@ -13702,9 +13646,7 @@
                       <a:headEnd type="none" w="med" len="med"/>
                       <a:tailEnd type="none" w="med" len="med"/>
                     </a:lnB>
-                    <a:solidFill>
-                      <a:srgbClr val="E2EFDA"/>
-                    </a:solidFill>
+                    <a:noFill/>
                   </a:tcPr>
                 </a:tc>
                 <a:tc>
@@ -13758,7 +13700,7 @@
                     <a:p>
                       <a:pPr algn="ctr" fontAlgn="ctr"/>
                       <a:r>
-                        <a:rPr lang="zh-CN" altLang="en-US" sz="900" b="0" i="0" u="none" strike="noStrike">
+                        <a:rPr lang="zh-CN" altLang="en-US" sz="900" b="0" i="0" u="none" strike="noStrike" dirty="0">
                           <a:solidFill>
                             <a:srgbClr val="000000"/>
                           </a:solidFill>
@@ -13807,9 +13749,7 @@
                       <a:headEnd type="none" w="med" len="med"/>
                       <a:tailEnd type="none" w="med" len="med"/>
                     </a:lnB>
-                    <a:solidFill>
-                      <a:srgbClr val="E2EFDA"/>
-                    </a:solidFill>
+                    <a:noFill/>
                   </a:tcPr>
                 </a:tc>
                 <a:tc>
@@ -14249,7 +14189,7 @@
         <p:spPr>
           <a:xfrm>
             <a:off x="91275" y="2770794"/>
-            <a:ext cx="5795823" cy="2462213"/>
+            <a:ext cx="5795823" cy="2523768"/>
           </a:xfrm>
           <a:prstGeom prst="rect">
             <a:avLst/>
@@ -14445,159 +14385,159 @@
               <a:t>(</a:t>
             </a:r>
             <a:r>
+              <a:rPr lang="en" altLang="zh-CN" sz="1400" dirty="0" err="1">
+                <a:solidFill>
+                  <a:srgbClr val="0000FF"/>
+                </a:solidFill>
+                <a:latin typeface="Menlo" panose="020B0609030804020204" pitchFamily="49" charset="0"/>
+              </a:rPr>
+              <a:t>size_t</a:t>
+            </a:r>
+            <a:r>
               <a:rPr lang="en" altLang="zh-CN" sz="1400" dirty="0">
                 <a:solidFill>
+                  <a:srgbClr val="000000"/>
+                </a:solidFill>
+                <a:latin typeface="Menlo" panose="020B0609030804020204" pitchFamily="49" charset="0"/>
+              </a:rPr>
+              <a:t> </a:t>
+            </a:r>
+            <a:r>
+              <a:rPr lang="en" altLang="zh-CN" sz="1400" dirty="0">
+                <a:solidFill>
+                  <a:srgbClr val="001080"/>
+                </a:solidFill>
+                <a:latin typeface="Menlo" panose="020B0609030804020204" pitchFamily="49" charset="0"/>
+              </a:rPr>
+              <a:t>r</a:t>
+            </a:r>
+            <a:r>
+              <a:rPr lang="en" altLang="zh-CN" sz="1400" dirty="0">
+                <a:solidFill>
+                  <a:srgbClr val="000000"/>
+                </a:solidFill>
+                <a:latin typeface="Menlo" panose="020B0609030804020204" pitchFamily="49" charset="0"/>
+              </a:rPr>
+              <a:t> = </a:t>
+            </a:r>
+            <a:r>
+              <a:rPr lang="en" altLang="zh-CN" sz="1400" dirty="0">
+                <a:solidFill>
+                  <a:srgbClr val="098658"/>
+                </a:solidFill>
+                <a:latin typeface="Menlo" panose="020B0609030804020204" pitchFamily="49" charset="0"/>
+              </a:rPr>
+              <a:t>0</a:t>
+            </a:r>
+            <a:r>
+              <a:rPr lang="en" altLang="zh-CN" sz="1400" dirty="0">
+                <a:solidFill>
+                  <a:srgbClr val="000000"/>
+                </a:solidFill>
+                <a:latin typeface="Menlo" panose="020B0609030804020204" pitchFamily="49" charset="0"/>
+              </a:rPr>
+              <a:t>; </a:t>
+            </a:r>
+            <a:r>
+              <a:rPr lang="en" altLang="zh-CN" sz="1400" dirty="0">
+                <a:solidFill>
+                  <a:srgbClr val="001080"/>
+                </a:solidFill>
+                <a:latin typeface="Menlo" panose="020B0609030804020204" pitchFamily="49" charset="0"/>
+              </a:rPr>
+              <a:t>r</a:t>
+            </a:r>
+            <a:r>
+              <a:rPr lang="en" altLang="zh-CN" sz="1400" dirty="0">
+                <a:solidFill>
+                  <a:srgbClr val="000000"/>
+                </a:solidFill>
+                <a:latin typeface="Menlo" panose="020B0609030804020204" pitchFamily="49" charset="0"/>
+              </a:rPr>
+              <a:t> &lt; </a:t>
+            </a:r>
+            <a:r>
+              <a:rPr lang="en" altLang="zh-CN" sz="1400" dirty="0" err="1">
+                <a:solidFill>
+                  <a:srgbClr val="001080"/>
+                </a:solidFill>
+                <a:latin typeface="Menlo" panose="020B0609030804020204" pitchFamily="49" charset="0"/>
+              </a:rPr>
+              <a:t>mat</a:t>
+            </a:r>
+            <a:r>
+              <a:rPr lang="en" altLang="zh-CN" sz="1400" dirty="0" err="1">
+                <a:solidFill>
+                  <a:srgbClr val="000000"/>
+                </a:solidFill>
+                <a:latin typeface="Menlo" panose="020B0609030804020204" pitchFamily="49" charset="0"/>
+              </a:rPr>
+              <a:t>.</a:t>
+            </a:r>
+            <a:r>
+              <a:rPr lang="en" altLang="zh-CN" sz="1400" dirty="0" err="1">
+                <a:solidFill>
+                  <a:srgbClr val="001080"/>
+                </a:solidFill>
+                <a:latin typeface="Menlo" panose="020B0609030804020204" pitchFamily="49" charset="0"/>
+              </a:rPr>
+              <a:t>rows</a:t>
+            </a:r>
+            <a:r>
+              <a:rPr lang="en" altLang="zh-CN" sz="1400" dirty="0">
+                <a:solidFill>
+                  <a:srgbClr val="000000"/>
+                </a:solidFill>
+                <a:latin typeface="Menlo" panose="020B0609030804020204" pitchFamily="49" charset="0"/>
+              </a:rPr>
+              <a:t>; </a:t>
+            </a:r>
+            <a:r>
+              <a:rPr lang="en" altLang="zh-CN" sz="1400" dirty="0">
+                <a:solidFill>
+                  <a:srgbClr val="001080"/>
+                </a:solidFill>
+                <a:latin typeface="Menlo" panose="020B0609030804020204" pitchFamily="49" charset="0"/>
+              </a:rPr>
+              <a:t>r</a:t>
+            </a:r>
+            <a:r>
+              <a:rPr lang="en" altLang="zh-CN" sz="1400" dirty="0">
+                <a:solidFill>
+                  <a:srgbClr val="000000"/>
+                </a:solidFill>
+                <a:latin typeface="Menlo" panose="020B0609030804020204" pitchFamily="49" charset="0"/>
+              </a:rPr>
+              <a:t>++)</a:t>
+            </a:r>
+          </a:p>
+          <a:p>
+            <a:r>
+              <a:rPr lang="en" altLang="zh-CN" sz="1400" dirty="0">
+                <a:solidFill>
+                  <a:srgbClr val="AF00DB"/>
+                </a:solidFill>
+                <a:latin typeface="Menlo" panose="020B0609030804020204" pitchFamily="49" charset="0"/>
+              </a:rPr>
+              <a:t>        for</a:t>
+            </a:r>
+            <a:r>
+              <a:rPr lang="en" altLang="zh-CN" sz="1400" dirty="0">
+                <a:solidFill>
+                  <a:srgbClr val="000000"/>
+                </a:solidFill>
+                <a:latin typeface="Menlo" panose="020B0609030804020204" pitchFamily="49" charset="0"/>
+              </a:rPr>
+              <a:t> (</a:t>
+            </a:r>
+            <a:r>
+              <a:rPr lang="en" altLang="zh-CN" sz="1400" dirty="0" err="1">
+                <a:solidFill>
                   <a:srgbClr val="0000FF"/>
                 </a:solidFill>
                 <a:latin typeface="Menlo" panose="020B0609030804020204" pitchFamily="49" charset="0"/>
               </a:rPr>
-              <a:t>int</a:t>
-            </a:r>
-            <a:r>
-              <a:rPr lang="en" altLang="zh-CN" sz="1400" dirty="0">
-                <a:solidFill>
-                  <a:srgbClr val="000000"/>
-                </a:solidFill>
-                <a:latin typeface="Menlo" panose="020B0609030804020204" pitchFamily="49" charset="0"/>
-              </a:rPr>
-              <a:t> </a:t>
-            </a:r>
-            <a:r>
-              <a:rPr lang="en" altLang="zh-CN" sz="1400" dirty="0">
-                <a:solidFill>
-                  <a:srgbClr val="001080"/>
-                </a:solidFill>
-                <a:latin typeface="Menlo" panose="020B0609030804020204" pitchFamily="49" charset="0"/>
-              </a:rPr>
-              <a:t>r</a:t>
-            </a:r>
-            <a:r>
-              <a:rPr lang="en" altLang="zh-CN" sz="1400" dirty="0">
-                <a:solidFill>
-                  <a:srgbClr val="000000"/>
-                </a:solidFill>
-                <a:latin typeface="Menlo" panose="020B0609030804020204" pitchFamily="49" charset="0"/>
-              </a:rPr>
-              <a:t> = </a:t>
-            </a:r>
-            <a:r>
-              <a:rPr lang="en" altLang="zh-CN" sz="1400" dirty="0">
-                <a:solidFill>
-                  <a:srgbClr val="098658"/>
-                </a:solidFill>
-                <a:latin typeface="Menlo" panose="020B0609030804020204" pitchFamily="49" charset="0"/>
-              </a:rPr>
-              <a:t>0</a:t>
-            </a:r>
-            <a:r>
-              <a:rPr lang="en" altLang="zh-CN" sz="1400" dirty="0">
-                <a:solidFill>
-                  <a:srgbClr val="000000"/>
-                </a:solidFill>
-                <a:latin typeface="Menlo" panose="020B0609030804020204" pitchFamily="49" charset="0"/>
-              </a:rPr>
-              <a:t>; </a:t>
-            </a:r>
-            <a:r>
-              <a:rPr lang="en" altLang="zh-CN" sz="1400" dirty="0">
-                <a:solidFill>
-                  <a:srgbClr val="001080"/>
-                </a:solidFill>
-                <a:latin typeface="Menlo" panose="020B0609030804020204" pitchFamily="49" charset="0"/>
-              </a:rPr>
-              <a:t>r</a:t>
-            </a:r>
-            <a:r>
-              <a:rPr lang="en" altLang="zh-CN" sz="1400" dirty="0">
-                <a:solidFill>
-                  <a:srgbClr val="000000"/>
-                </a:solidFill>
-                <a:latin typeface="Menlo" panose="020B0609030804020204" pitchFamily="49" charset="0"/>
-              </a:rPr>
-              <a:t> &lt; </a:t>
-            </a:r>
-            <a:r>
-              <a:rPr lang="en" altLang="zh-CN" sz="1400" dirty="0" err="1">
-                <a:solidFill>
-                  <a:srgbClr val="001080"/>
-                </a:solidFill>
-                <a:latin typeface="Menlo" panose="020B0609030804020204" pitchFamily="49" charset="0"/>
-              </a:rPr>
-              <a:t>mat</a:t>
-            </a:r>
-            <a:r>
-              <a:rPr lang="en" altLang="zh-CN" sz="1400" dirty="0" err="1">
-                <a:solidFill>
-                  <a:srgbClr val="000000"/>
-                </a:solidFill>
-                <a:latin typeface="Menlo" panose="020B0609030804020204" pitchFamily="49" charset="0"/>
-              </a:rPr>
-              <a:t>.</a:t>
-            </a:r>
-            <a:r>
-              <a:rPr lang="en" altLang="zh-CN" sz="1400" dirty="0" err="1">
-                <a:solidFill>
-                  <a:srgbClr val="001080"/>
-                </a:solidFill>
-                <a:latin typeface="Menlo" panose="020B0609030804020204" pitchFamily="49" charset="0"/>
-              </a:rPr>
-              <a:t>rows</a:t>
-            </a:r>
-            <a:r>
-              <a:rPr lang="en" altLang="zh-CN" sz="1400" dirty="0">
-                <a:solidFill>
-                  <a:srgbClr val="000000"/>
-                </a:solidFill>
-                <a:latin typeface="Menlo" panose="020B0609030804020204" pitchFamily="49" charset="0"/>
-              </a:rPr>
-              <a:t>; </a:t>
-            </a:r>
-            <a:r>
-              <a:rPr lang="en" altLang="zh-CN" sz="1400" dirty="0">
-                <a:solidFill>
-                  <a:srgbClr val="001080"/>
-                </a:solidFill>
-                <a:latin typeface="Menlo" panose="020B0609030804020204" pitchFamily="49" charset="0"/>
-              </a:rPr>
-              <a:t>r</a:t>
-            </a:r>
-            <a:r>
-              <a:rPr lang="en" altLang="zh-CN" sz="1400" dirty="0">
-                <a:solidFill>
-                  <a:srgbClr val="000000"/>
-                </a:solidFill>
-                <a:latin typeface="Menlo" panose="020B0609030804020204" pitchFamily="49" charset="0"/>
-              </a:rPr>
-              <a:t>++)</a:t>
-            </a:r>
-          </a:p>
-          <a:p>
-            <a:r>
-              <a:rPr lang="en" altLang="zh-CN" sz="1400" dirty="0">
-                <a:solidFill>
-                  <a:srgbClr val="AF00DB"/>
-                </a:solidFill>
-                <a:latin typeface="Menlo" panose="020B0609030804020204" pitchFamily="49" charset="0"/>
-              </a:rPr>
-              <a:t>        for</a:t>
-            </a:r>
-            <a:r>
-              <a:rPr lang="en" altLang="zh-CN" sz="1400" dirty="0">
-                <a:solidFill>
-                  <a:srgbClr val="000000"/>
-                </a:solidFill>
-                <a:latin typeface="Menlo" panose="020B0609030804020204" pitchFamily="49" charset="0"/>
-              </a:rPr>
-              <a:t> (</a:t>
-            </a:r>
-            <a:r>
-              <a:rPr lang="en" altLang="zh-CN" sz="1400" dirty="0">
-                <a:solidFill>
-                  <a:srgbClr val="0000FF"/>
-                </a:solidFill>
-                <a:latin typeface="Menlo" panose="020B0609030804020204" pitchFamily="49" charset="0"/>
-              </a:rPr>
-              <a:t>int</a:t>
+              <a:t>size_t</a:t>
             </a:r>
             <a:r>
               <a:rPr lang="en" altLang="zh-CN" sz="1400" dirty="0">
@@ -17097,7 +17037,7 @@
           <p:nvPr>
             <p:extLst>
               <p:ext uri="{D42A27DB-BD31-4B8C-83A1-F6EECF244321}">
-                <p14:modId xmlns:p14="http://schemas.microsoft.com/office/powerpoint/2010/main" val="1142493835"/>
+                <p14:modId xmlns:p14="http://schemas.microsoft.com/office/powerpoint/2010/main" val="2223052883"/>
               </p:ext>
             </p:extLst>
           </p:nvPr>
@@ -18653,7 +18593,7 @@
           <p:nvPr>
             <p:extLst>
               <p:ext uri="{D42A27DB-BD31-4B8C-83A1-F6EECF244321}">
-                <p14:modId xmlns:p14="http://schemas.microsoft.com/office/powerpoint/2010/main" val="1141151029"/>
+                <p14:modId xmlns:p14="http://schemas.microsoft.com/office/powerpoint/2010/main" val="3664556676"/>
               </p:ext>
             </p:extLst>
           </p:nvPr>
@@ -21675,9 +21615,9 @@
           <a:prstGeom prst="straightConnector1">
             <a:avLst/>
           </a:prstGeom>
-          <a:ln w="88900">
+          <a:ln w="28575">
             <a:solidFill>
-              <a:srgbClr val="FF0000"/>
+              <a:schemeClr val="tx1"/>
             </a:solidFill>
             <a:tailEnd type="triangle"/>
           </a:ln>
@@ -21711,8 +21651,8 @@
         </p:nvSpPr>
         <p:spPr>
           <a:xfrm>
-            <a:off x="6865489" y="1223359"/>
-            <a:ext cx="1659429" cy="830997"/>
+            <a:off x="7109146" y="1223359"/>
+            <a:ext cx="1415772" cy="707886"/>
           </a:xfrm>
           <a:prstGeom prst="rect">
             <a:avLst/>
@@ -21729,53 +21669,26 @@
           <a:p>
             <a:pPr algn="r"/>
             <a:r>
-              <a:rPr lang="en" altLang="zh-CN" sz="2400" dirty="0" err="1">
-                <a:solidFill>
-                  <a:srgbClr val="5B9BD5">
-                    <a:lumMod val="50000"/>
-                  </a:srgbClr>
-                </a:solidFill>
+              <a:rPr lang="en" altLang="zh-CN" sz="2000" dirty="0" err="1">
                 <a:latin typeface="Courier" pitchFamily="2" charset="0"/>
                 <a:ea typeface="等线" panose="02010600030101010101" pitchFamily="2" charset="-122"/>
               </a:rPr>
               <a:t>matA</a:t>
             </a:r>
-            <a:r>
-              <a:rPr lang="en" altLang="zh-CN" sz="2400" dirty="0">
-                <a:solidFill>
-                  <a:srgbClr val="5B9BD5">
-                    <a:lumMod val="50000"/>
-                  </a:srgbClr>
-                </a:solidFill>
+            <a:br>
+              <a:rPr lang="en" altLang="zh-CN" sz="2000" dirty="0">
                 <a:latin typeface="Courier" pitchFamily="2" charset="0"/>
                 <a:ea typeface="等线" panose="02010600030101010101" pitchFamily="2" charset="-122"/>
               </a:rPr>
-              <a:t>,</a:t>
-            </a:r>
-            <a:br>
-              <a:rPr lang="en" altLang="zh-CN" sz="2400" dirty="0">
-                <a:solidFill>
-                  <a:srgbClr val="5B9BD5">
-                    <a:lumMod val="50000"/>
-                  </a:srgbClr>
-                </a:solidFill>
+            </a:br>
+            <a:r>
+              <a:rPr lang="en" altLang="zh-CN" sz="2000" dirty="0" err="1">
                 <a:latin typeface="Courier" pitchFamily="2" charset="0"/>
                 <a:ea typeface="等线" panose="02010600030101010101" pitchFamily="2" charset="-122"/>
               </a:rPr>
-            </a:br>
-            <a:r>
-              <a:rPr lang="en" altLang="zh-CN" sz="2400" dirty="0" err="1">
-                <a:solidFill>
-                  <a:srgbClr val="5B9BD5">
-                    <a:lumMod val="50000"/>
-                  </a:srgbClr>
-                </a:solidFill>
-                <a:latin typeface="Courier" pitchFamily="2" charset="0"/>
-                <a:ea typeface="等线" panose="02010600030101010101" pitchFamily="2" charset="-122"/>
-              </a:rPr>
               <a:t>matA_ref</a:t>
             </a:r>
-            <a:endParaRPr lang="zh-CN" altLang="en-US" dirty="0"/>
+            <a:endParaRPr lang="zh-CN" altLang="en-US" sz="1600" dirty="0"/>
           </a:p>
         </p:txBody>
       </p:sp>
@@ -21864,6 +21777,53 @@
             </a:r>
           </a:p>
           <a:p>
+            <a:r>
+              <a:rPr lang="en" altLang="zh-CN" dirty="0">
+                <a:solidFill>
+                  <a:srgbClr val="0000FF"/>
+                </a:solidFill>
+                <a:latin typeface="Menlo" panose="020B0609030804020204" pitchFamily="49" charset="0"/>
+              </a:rPr>
+              <a:t>    </a:t>
+            </a:r>
+            <a:r>
+              <a:rPr lang="en" altLang="zh-CN" dirty="0" err="1">
+                <a:solidFill>
+                  <a:srgbClr val="0000FF"/>
+                </a:solidFill>
+                <a:latin typeface="Menlo" panose="020B0609030804020204" pitchFamily="49" charset="0"/>
+              </a:rPr>
+              <a:t>size_t</a:t>
+            </a:r>
+            <a:r>
+              <a:rPr lang="en" altLang="zh-CN" dirty="0">
+                <a:solidFill>
+                  <a:srgbClr val="000000"/>
+                </a:solidFill>
+                <a:latin typeface="Menlo" panose="020B0609030804020204" pitchFamily="49" charset="0"/>
+              </a:rPr>
+              <a:t> </a:t>
+            </a:r>
+            <a:r>
+              <a:rPr lang="en" altLang="zh-CN" dirty="0">
+                <a:solidFill>
+                  <a:srgbClr val="001080"/>
+                </a:solidFill>
+                <a:latin typeface="Menlo" panose="020B0609030804020204" pitchFamily="49" charset="0"/>
+              </a:rPr>
+              <a:t>rows</a:t>
+            </a:r>
+            <a:r>
+              <a:rPr lang="en" altLang="zh-CN" dirty="0">
+                <a:solidFill>
+                  <a:srgbClr val="000000"/>
+                </a:solidFill>
+                <a:latin typeface="Menlo" panose="020B0609030804020204" pitchFamily="49" charset="0"/>
+              </a:rPr>
+              <a:t>;</a:t>
+            </a:r>
+          </a:p>
+          <a:p>
             <a:pPr lvl="0"/>
             <a:r>
               <a:rPr lang="en" altLang="zh-CN" dirty="0">
@@ -21872,46 +21832,16 @@
                 </a:solidFill>
                 <a:latin typeface="Menlo" panose="020B0609030804020204" pitchFamily="49" charset="0"/>
               </a:rPr>
-              <a:t>    int</a:t>
-            </a:r>
-            <a:r>
-              <a:rPr lang="en" altLang="zh-CN" dirty="0">
-                <a:solidFill>
-                  <a:srgbClr val="000000"/>
-                </a:solidFill>
-                <a:latin typeface="Menlo" panose="020B0609030804020204" pitchFamily="49" charset="0"/>
-              </a:rPr>
-              <a:t> </a:t>
-            </a:r>
-            <a:r>
-              <a:rPr lang="en" altLang="zh-CN" dirty="0">
-                <a:solidFill>
-                  <a:srgbClr val="001080"/>
-                </a:solidFill>
-                <a:latin typeface="Menlo" panose="020B0609030804020204" pitchFamily="49" charset="0"/>
-              </a:rPr>
-              <a:t>rows</a:t>
-            </a:r>
-            <a:r>
-              <a:rPr lang="en" altLang="zh-CN" dirty="0">
-                <a:solidFill>
-                  <a:srgbClr val="000000"/>
-                </a:solidFill>
-                <a:latin typeface="Menlo" panose="020B0609030804020204" pitchFamily="49" charset="0"/>
-              </a:rPr>
-              <a:t>;</a:t>
-            </a:r>
-          </a:p>
-          <a:p>
-            <a:pPr lvl="0"/>
-            <a:r>
-              <a:rPr lang="en" altLang="zh-CN" dirty="0">
+              <a:t>    </a:t>
+            </a:r>
+            <a:r>
+              <a:rPr lang="en" altLang="zh-CN" dirty="0" err="1">
                 <a:solidFill>
                   <a:srgbClr val="0000FF"/>
                 </a:solidFill>
                 <a:latin typeface="Menlo" panose="020B0609030804020204" pitchFamily="49" charset="0"/>
               </a:rPr>
-              <a:t>    int</a:t>
+              <a:t>size_t</a:t>
             </a:r>
             <a:r>
               <a:rPr lang="en" altLang="zh-CN" dirty="0">
@@ -22305,14 +22235,6 @@
             </a:r>
           </a:p>
           <a:p>
-            <a:endParaRPr lang="en" altLang="zh-CN" dirty="0">
-              <a:solidFill>
-                <a:srgbClr val="000000"/>
-              </a:solidFill>
-              <a:latin typeface="Menlo" panose="020B0609030804020204" pitchFamily="49" charset="0"/>
-            </a:endParaRPr>
-          </a:p>
-          <a:p>
             <a:r>
               <a:rPr lang="en" altLang="zh-CN" dirty="0">
                 <a:solidFill>
@@ -22353,6 +22275,62 @@
               <a:rPr lang="en" altLang="zh-CN" dirty="0" err="1">
                 <a:solidFill>
                   <a:srgbClr val="001080"/>
+                </a:solidFill>
+                <a:latin typeface="Menlo" panose="020B0609030804020204" pitchFamily="49" charset="0"/>
+              </a:rPr>
+              <a:t>matA</a:t>
+            </a:r>
+            <a:r>
+              <a:rPr lang="en" altLang="zh-CN" dirty="0">
+                <a:solidFill>
+                  <a:srgbClr val="000000"/>
+                </a:solidFill>
+                <a:latin typeface="Menlo" panose="020B0609030804020204" pitchFamily="49" charset="0"/>
+              </a:rPr>
+              <a:t>;</a:t>
+            </a:r>
+          </a:p>
+          <a:p>
+            <a:r>
+              <a:rPr lang="en" altLang="zh-CN" dirty="0">
+                <a:solidFill>
+                  <a:srgbClr val="267F99"/>
+                </a:solidFill>
+                <a:latin typeface="Menlo" panose="020B0609030804020204" pitchFamily="49" charset="0"/>
+              </a:rPr>
+              <a:t>Matrix  </a:t>
+            </a:r>
+            <a:r>
+              <a:rPr lang="en" altLang="zh-CN" dirty="0">
+                <a:solidFill>
+                  <a:srgbClr val="000000"/>
+                </a:solidFill>
+                <a:latin typeface="Menlo" panose="020B0609030804020204" pitchFamily="49" charset="0"/>
+              </a:rPr>
+              <a:t> </a:t>
+            </a:r>
+            <a:r>
+              <a:rPr lang="en" altLang="zh-CN" dirty="0" err="1">
+                <a:solidFill>
+                  <a:srgbClr val="001080"/>
+                </a:solidFill>
+                <a:latin typeface="Menlo" panose="020B0609030804020204" pitchFamily="49" charset="0"/>
+              </a:rPr>
+              <a:t>matB</a:t>
+            </a:r>
+            <a:r>
+              <a:rPr lang="en" altLang="zh-CN" dirty="0">
+                <a:solidFill>
+                  <a:srgbClr val="000000"/>
+                </a:solidFill>
+                <a:latin typeface="Menlo" panose="020B0609030804020204" pitchFamily="49" charset="0"/>
+              </a:rPr>
+              <a:t> = </a:t>
+            </a:r>
+            <a:r>
+              <a:rPr lang="en" altLang="zh-CN" dirty="0" err="1">
+                <a:solidFill>
+                  <a:srgbClr val="000000"/>
                 </a:solidFill>
                 <a:latin typeface="Menlo" panose="020B0609030804020204" pitchFamily="49" charset="0"/>
               </a:rPr>
@@ -22385,7 +22363,7 @@
           <p:nvPr>
             <p:extLst>
               <p:ext uri="{D42A27DB-BD31-4B8C-83A1-F6EECF244321}">
-                <p14:modId xmlns:p14="http://schemas.microsoft.com/office/powerpoint/2010/main" val="891994419"/>
+                <p14:modId xmlns:p14="http://schemas.microsoft.com/office/powerpoint/2010/main" val="1694401479"/>
               </p:ext>
             </p:extLst>
           </p:nvPr>
@@ -22562,11 +22540,9 @@
                     <a:p>
                       <a:pPr algn="r" fontAlgn="ctr"/>
                       <a:r>
-                        <a:rPr lang="en" altLang="zh-CN" sz="2000" dirty="0" err="1">
+                        <a:rPr lang="en" altLang="zh-CN" sz="1800" dirty="0" err="1">
                           <a:solidFill>
-                            <a:srgbClr val="5B9BD5">
-                              <a:lumMod val="50000"/>
-                            </a:srgbClr>
+                            <a:schemeClr val="tx1"/>
                           </a:solidFill>
                           <a:latin typeface="Courier" pitchFamily="2" charset="0"/>
                           <a:ea typeface="等线" panose="02010600030101010101" pitchFamily="2" charset="-122"/>
@@ -22575,7 +22551,7 @@
                       </a:r>
                       <a:endParaRPr lang="en" sz="2800" b="0" i="0" u="none" strike="noStrike" dirty="0">
                         <a:solidFill>
-                          <a:srgbClr val="000000"/>
+                          <a:schemeClr val="tx1"/>
                         </a:solidFill>
                         <a:effectLst/>
                         <a:latin typeface="等线" panose="02010600030101010101" pitchFamily="2" charset="-122"/>
@@ -23086,9 +23062,1605 @@
           <a:prstGeom prst="straightConnector1">
             <a:avLst/>
           </a:prstGeom>
-          <a:ln w="88900">
+          <a:ln w="28575">
             <a:solidFill>
-              <a:srgbClr val="FF0000"/>
+              <a:schemeClr val="tx1"/>
+            </a:solidFill>
+            <a:tailEnd type="triangle"/>
+          </a:ln>
+        </p:spPr>
+        <p:style>
+          <a:lnRef idx="1">
+            <a:schemeClr val="accent1"/>
+          </a:lnRef>
+          <a:fillRef idx="0">
+            <a:schemeClr val="accent1"/>
+          </a:fillRef>
+          <a:effectRef idx="0">
+            <a:schemeClr val="accent1"/>
+          </a:effectRef>
+          <a:fontRef idx="minor">
+            <a:schemeClr val="tx1"/>
+          </a:fontRef>
+        </p:style>
+      </p:cxnSp>
+      <p:graphicFrame>
+        <p:nvGraphicFramePr>
+          <p:cNvPr id="8" name="表格 7">
+            <a:extLst>
+              <a:ext uri="{FF2B5EF4-FFF2-40B4-BE49-F238E27FC236}">
+                <a16:creationId xmlns:a16="http://schemas.microsoft.com/office/drawing/2014/main" id="{039C3871-0E8A-D59B-A3DE-6F66CA5A0FB7}"/>
+              </a:ext>
+            </a:extLst>
+          </p:cNvPr>
+          <p:cNvGraphicFramePr>
+            <a:graphicFrameLocks noGrp="1"/>
+          </p:cNvGraphicFramePr>
+          <p:nvPr>
+            <p:extLst>
+              <p:ext uri="{D42A27DB-BD31-4B8C-83A1-F6EECF244321}">
+                <p14:modId xmlns:p14="http://schemas.microsoft.com/office/powerpoint/2010/main" val="3787288566"/>
+              </p:ext>
+            </p:extLst>
+          </p:nvPr>
+        </p:nvGraphicFramePr>
+        <p:xfrm>
+          <a:off x="7366011" y="3292471"/>
+          <a:ext cx="2393088" cy="2639706"/>
+        </p:xfrm>
+        <a:graphic>
+          <a:graphicData uri="http://schemas.openxmlformats.org/drawingml/2006/table">
+            <a:tbl>
+              <a:tblPr/>
+              <a:tblGrid>
+                <a:gridCol w="1180108">
+                  <a:extLst>
+                    <a:ext uri="{9D8B030D-6E8A-4147-A177-3AD203B41FA5}">
+                      <a16:colId xmlns:a16="http://schemas.microsoft.com/office/drawing/2014/main" val="2810562972"/>
+                    </a:ext>
+                  </a:extLst>
+                </a:gridCol>
+                <a:gridCol w="1063690">
+                  <a:extLst>
+                    <a:ext uri="{9D8B030D-6E8A-4147-A177-3AD203B41FA5}">
+                      <a16:colId xmlns:a16="http://schemas.microsoft.com/office/drawing/2014/main" val="2152386905"/>
+                    </a:ext>
+                  </a:extLst>
+                </a:gridCol>
+                <a:gridCol w="149290">
+                  <a:extLst>
+                    <a:ext uri="{9D8B030D-6E8A-4147-A177-3AD203B41FA5}">
+                      <a16:colId xmlns:a16="http://schemas.microsoft.com/office/drawing/2014/main" val="1036682232"/>
+                    </a:ext>
+                  </a:extLst>
+                </a:gridCol>
+              </a:tblGrid>
+              <a:tr h="140931">
+                <a:tc>
+                  <a:txBody>
+                    <a:bodyPr/>
+                    <a:lstStyle/>
+                    <a:p>
+                      <a:pPr algn="l" fontAlgn="ctr"/>
+                      <a:endParaRPr lang="zh-CN" altLang="en-US" sz="1200" b="0" i="0" u="none" strike="noStrike">
+                        <a:solidFill>
+                          <a:srgbClr val="000000"/>
+                        </a:solidFill>
+                        <a:effectLst/>
+                        <a:latin typeface="Courier" pitchFamily="2" charset="0"/>
+                        <a:ea typeface="等线" panose="02010600030101010101" pitchFamily="2" charset="-122"/>
+                      </a:endParaRPr>
+                    </a:p>
+                  </a:txBody>
+                  <a:tcPr marL="9525" marR="9525" marT="9525" marB="0" anchor="ctr">
+                    <a:lnL>
+                      <a:noFill/>
+                    </a:lnL>
+                    <a:lnR w="6350" cap="flat" cmpd="sng" algn="ctr">
+                      <a:solidFill>
+                        <a:srgbClr val="000000"/>
+                      </a:solidFill>
+                      <a:prstDash val="solid"/>
+                      <a:round/>
+                      <a:headEnd type="none" w="med" len="med"/>
+                      <a:tailEnd type="none" w="med" len="med"/>
+                    </a:lnR>
+                    <a:lnT>
+                      <a:noFill/>
+                    </a:lnT>
+                    <a:lnB>
+                      <a:noFill/>
+                    </a:lnB>
+                  </a:tcPr>
+                </a:tc>
+                <a:tc>
+                  <a:txBody>
+                    <a:bodyPr/>
+                    <a:lstStyle/>
+                    <a:p>
+                      <a:pPr algn="l" fontAlgn="ctr"/>
+                      <a:r>
+                        <a:rPr lang="zh-CN" altLang="en-US" sz="1200" b="0" i="0" u="none" strike="noStrike" dirty="0">
+                          <a:solidFill>
+                            <a:srgbClr val="000000"/>
+                          </a:solidFill>
+                          <a:effectLst/>
+                          <a:latin typeface="Courier" pitchFamily="2" charset="0"/>
+                          <a:ea typeface="等线" panose="02010600030101010101" pitchFamily="2" charset="-122"/>
+                        </a:rPr>
+                        <a:t>　</a:t>
+                      </a:r>
+                    </a:p>
+                  </a:txBody>
+                  <a:tcPr marL="9525" marR="9525" marT="9525" marB="0" anchor="ctr">
+                    <a:lnL w="6350" cap="flat" cmpd="sng" algn="ctr">
+                      <a:solidFill>
+                        <a:srgbClr val="000000"/>
+                      </a:solidFill>
+                      <a:prstDash val="solid"/>
+                      <a:round/>
+                      <a:headEnd type="none" w="med" len="med"/>
+                      <a:tailEnd type="none" w="med" len="med"/>
+                    </a:lnL>
+                    <a:lnR w="6350" cap="flat" cmpd="sng" algn="ctr">
+                      <a:solidFill>
+                        <a:srgbClr val="000000"/>
+                      </a:solidFill>
+                      <a:prstDash val="solid"/>
+                      <a:round/>
+                      <a:headEnd type="none" w="med" len="med"/>
+                      <a:tailEnd type="none" w="med" len="med"/>
+                    </a:lnR>
+                    <a:lnT>
+                      <a:noFill/>
+                    </a:lnT>
+                    <a:lnB w="6350" cap="flat" cmpd="sng" algn="ctr">
+                      <a:solidFill>
+                        <a:srgbClr val="000000"/>
+                      </a:solidFill>
+                      <a:prstDash val="solid"/>
+                      <a:round/>
+                      <a:headEnd type="none" w="med" len="med"/>
+                      <a:tailEnd type="none" w="med" len="med"/>
+                    </a:lnB>
+                  </a:tcPr>
+                </a:tc>
+                <a:tc>
+                  <a:txBody>
+                    <a:bodyPr/>
+                    <a:lstStyle/>
+                    <a:p>
+                      <a:pPr algn="l" fontAlgn="ctr"/>
+                      <a:endParaRPr lang="zh-CN" altLang="en-US" sz="600" b="0" i="0" u="none" strike="noStrike">
+                        <a:solidFill>
+                          <a:srgbClr val="000000"/>
+                        </a:solidFill>
+                        <a:effectLst/>
+                        <a:latin typeface="Courier" pitchFamily="2" charset="0"/>
+                        <a:ea typeface="等线" panose="02010600030101010101" pitchFamily="2" charset="-122"/>
+                      </a:endParaRPr>
+                    </a:p>
+                  </a:txBody>
+                  <a:tcPr marL="9525" marR="9525" marT="9525" marB="0" anchor="ctr">
+                    <a:lnL w="6350" cap="flat" cmpd="sng" algn="ctr">
+                      <a:solidFill>
+                        <a:srgbClr val="000000"/>
+                      </a:solidFill>
+                      <a:prstDash val="solid"/>
+                      <a:round/>
+                      <a:headEnd type="none" w="med" len="med"/>
+                      <a:tailEnd type="none" w="med" len="med"/>
+                    </a:lnL>
+                    <a:lnR>
+                      <a:noFill/>
+                    </a:lnR>
+                    <a:lnT>
+                      <a:noFill/>
+                    </a:lnT>
+                    <a:lnB>
+                      <a:noFill/>
+                    </a:lnB>
+                  </a:tcPr>
+                </a:tc>
+                <a:extLst>
+                  <a:ext uri="{0D108BD9-81ED-4DB2-BD59-A6C34878D82A}">
+                    <a16:rowId xmlns:a16="http://schemas.microsoft.com/office/drawing/2014/main" val="1922609310"/>
+                  </a:ext>
+                </a:extLst>
+              </a:tr>
+              <a:tr h="140931">
+                <a:tc rowSpan="16">
+                  <a:txBody>
+                    <a:bodyPr/>
+                    <a:lstStyle/>
+                    <a:p>
+                      <a:pPr algn="r" fontAlgn="ctr"/>
+                      <a:r>
+                        <a:rPr lang="en" sz="2000" b="0" i="0" u="none" strike="noStrike" dirty="0" err="1">
+                          <a:solidFill>
+                            <a:schemeClr val="tx1"/>
+                          </a:solidFill>
+                          <a:effectLst/>
+                          <a:latin typeface="Courier" pitchFamily="2" charset="0"/>
+                          <a:ea typeface="等线" panose="02010600030101010101" pitchFamily="2" charset="-122"/>
+                        </a:rPr>
+                        <a:t>matB</a:t>
+                      </a:r>
+                      <a:endParaRPr lang="en" sz="2400" b="0" i="0" u="none" strike="noStrike" dirty="0">
+                        <a:solidFill>
+                          <a:schemeClr val="tx1"/>
+                        </a:solidFill>
+                        <a:effectLst/>
+                        <a:latin typeface="Courier" pitchFamily="2" charset="0"/>
+                        <a:ea typeface="等线" panose="02010600030101010101" pitchFamily="2" charset="-122"/>
+                      </a:endParaRPr>
+                    </a:p>
+                  </a:txBody>
+                  <a:tcPr marL="9525" marR="9525" marT="9525" marB="0" anchor="ctr">
+                    <a:lnL>
+                      <a:noFill/>
+                    </a:lnL>
+                    <a:lnR w="6350" cap="flat" cmpd="sng" algn="ctr">
+                      <a:solidFill>
+                        <a:srgbClr val="000000"/>
+                      </a:solidFill>
+                      <a:prstDash val="solid"/>
+                      <a:round/>
+                      <a:headEnd type="none" w="med" len="med"/>
+                      <a:tailEnd type="none" w="med" len="med"/>
+                    </a:lnR>
+                    <a:lnT>
+                      <a:noFill/>
+                    </a:lnT>
+                    <a:lnB>
+                      <a:noFill/>
+                    </a:lnB>
+                  </a:tcPr>
+                </a:tc>
+                <a:tc rowSpan="8">
+                  <a:txBody>
+                    <a:bodyPr/>
+                    <a:lstStyle/>
+                    <a:p>
+                      <a:pPr algn="ctr" fontAlgn="ctr"/>
+                      <a:r>
+                        <a:rPr lang="en" sz="2000" b="0" i="0" u="none" strike="noStrike" dirty="0" err="1">
+                          <a:solidFill>
+                            <a:srgbClr val="000000"/>
+                          </a:solidFill>
+                          <a:effectLst/>
+                          <a:latin typeface="Courier" pitchFamily="2" charset="0"/>
+                          <a:ea typeface="等线" panose="02010600030101010101" pitchFamily="2" charset="-122"/>
+                        </a:rPr>
+                        <a:t>pData</a:t>
+                      </a:r>
+                      <a:endParaRPr lang="en" sz="1800" b="0" i="0" u="none" strike="noStrike" dirty="0">
+                        <a:solidFill>
+                          <a:srgbClr val="000000"/>
+                        </a:solidFill>
+                        <a:effectLst/>
+                        <a:latin typeface="Courier" pitchFamily="2" charset="0"/>
+                        <a:ea typeface="等线" panose="02010600030101010101" pitchFamily="2" charset="-122"/>
+                      </a:endParaRPr>
+                    </a:p>
+                  </a:txBody>
+                  <a:tcPr marL="9525" marR="9525" marT="9525" marB="0" anchor="ctr">
+                    <a:lnL w="6350" cap="flat" cmpd="sng" algn="ctr">
+                      <a:solidFill>
+                        <a:srgbClr val="000000"/>
+                      </a:solidFill>
+                      <a:prstDash val="solid"/>
+                      <a:round/>
+                      <a:headEnd type="none" w="med" len="med"/>
+                      <a:tailEnd type="none" w="med" len="med"/>
+                    </a:lnL>
+                    <a:lnR w="6350" cap="flat" cmpd="sng" algn="ctr">
+                      <a:solidFill>
+                        <a:srgbClr val="000000"/>
+                      </a:solidFill>
+                      <a:prstDash val="solid"/>
+                      <a:round/>
+                      <a:headEnd type="none" w="med" len="med"/>
+                      <a:tailEnd type="none" w="med" len="med"/>
+                    </a:lnR>
+                    <a:lnT w="6350" cap="flat" cmpd="sng" algn="ctr">
+                      <a:solidFill>
+                        <a:srgbClr val="000000"/>
+                      </a:solidFill>
+                      <a:prstDash val="solid"/>
+                      <a:round/>
+                      <a:headEnd type="none" w="med" len="med"/>
+                      <a:tailEnd type="none" w="med" len="med"/>
+                    </a:lnT>
+                    <a:lnB w="6350" cap="flat" cmpd="sng" algn="ctr">
+                      <a:solidFill>
+                        <a:srgbClr val="000000"/>
+                      </a:solidFill>
+                      <a:prstDash val="solid"/>
+                      <a:round/>
+                      <a:headEnd type="none" w="med" len="med"/>
+                      <a:tailEnd type="none" w="med" len="med"/>
+                    </a:lnB>
+                    <a:solidFill>
+                      <a:srgbClr val="E2EFDA"/>
+                    </a:solidFill>
+                  </a:tcPr>
+                </a:tc>
+                <a:tc>
+                  <a:txBody>
+                    <a:bodyPr/>
+                    <a:lstStyle/>
+                    <a:p>
+                      <a:pPr algn="l" fontAlgn="ctr"/>
+                      <a:endParaRPr lang="zh-CN" altLang="en-US" sz="600" b="0" i="0" u="none" strike="noStrike">
+                        <a:solidFill>
+                          <a:srgbClr val="000000"/>
+                        </a:solidFill>
+                        <a:effectLst/>
+                        <a:latin typeface="Courier" pitchFamily="2" charset="0"/>
+                        <a:ea typeface="等线" panose="02010600030101010101" pitchFamily="2" charset="-122"/>
+                      </a:endParaRPr>
+                    </a:p>
+                  </a:txBody>
+                  <a:tcPr marL="9525" marR="9525" marT="9525" marB="0" anchor="ctr">
+                    <a:lnL w="6350" cap="flat" cmpd="sng" algn="ctr">
+                      <a:solidFill>
+                        <a:srgbClr val="000000"/>
+                      </a:solidFill>
+                      <a:prstDash val="solid"/>
+                      <a:round/>
+                      <a:headEnd type="none" w="med" len="med"/>
+                      <a:tailEnd type="none" w="med" len="med"/>
+                    </a:lnL>
+                    <a:lnR>
+                      <a:noFill/>
+                    </a:lnR>
+                    <a:lnT>
+                      <a:noFill/>
+                    </a:lnT>
+                    <a:lnB>
+                      <a:noFill/>
+                    </a:lnB>
+                  </a:tcPr>
+                </a:tc>
+                <a:extLst>
+                  <a:ext uri="{0D108BD9-81ED-4DB2-BD59-A6C34878D82A}">
+                    <a16:rowId xmlns:a16="http://schemas.microsoft.com/office/drawing/2014/main" val="1496280051"/>
+                  </a:ext>
+                </a:extLst>
+              </a:tr>
+              <a:tr h="140931">
+                <a:tc vMerge="1">
+                  <a:txBody>
+                    <a:bodyPr/>
+                    <a:lstStyle/>
+                    <a:p>
+                      <a:endParaRPr lang="zh-CN" altLang="en-US"/>
+                    </a:p>
+                  </a:txBody>
+                  <a:tcPr/>
+                </a:tc>
+                <a:tc vMerge="1">
+                  <a:txBody>
+                    <a:bodyPr/>
+                    <a:lstStyle/>
+                    <a:p>
+                      <a:endParaRPr lang="zh-CN" altLang="en-US"/>
+                    </a:p>
+                  </a:txBody>
+                  <a:tcPr/>
+                </a:tc>
+                <a:tc>
+                  <a:txBody>
+                    <a:bodyPr/>
+                    <a:lstStyle/>
+                    <a:p>
+                      <a:pPr algn="l" fontAlgn="ctr"/>
+                      <a:endParaRPr lang="zh-CN" altLang="en-US" sz="600" b="0" i="0" u="none" strike="noStrike">
+                        <a:solidFill>
+                          <a:srgbClr val="000000"/>
+                        </a:solidFill>
+                        <a:effectLst/>
+                        <a:latin typeface="Courier" pitchFamily="2" charset="0"/>
+                        <a:ea typeface="等线" panose="02010600030101010101" pitchFamily="2" charset="-122"/>
+                      </a:endParaRPr>
+                    </a:p>
+                  </a:txBody>
+                  <a:tcPr marL="9525" marR="9525" marT="9525" marB="0" anchor="ctr">
+                    <a:lnL w="6350" cap="flat" cmpd="sng" algn="ctr">
+                      <a:solidFill>
+                        <a:srgbClr val="000000"/>
+                      </a:solidFill>
+                      <a:prstDash val="solid"/>
+                      <a:round/>
+                      <a:headEnd type="none" w="med" len="med"/>
+                      <a:tailEnd type="none" w="med" len="med"/>
+                    </a:lnL>
+                    <a:lnR>
+                      <a:noFill/>
+                    </a:lnR>
+                    <a:lnT>
+                      <a:noFill/>
+                    </a:lnT>
+                    <a:lnB>
+                      <a:noFill/>
+                    </a:lnB>
+                  </a:tcPr>
+                </a:tc>
+                <a:extLst>
+                  <a:ext uri="{0D108BD9-81ED-4DB2-BD59-A6C34878D82A}">
+                    <a16:rowId xmlns:a16="http://schemas.microsoft.com/office/drawing/2014/main" val="1891405670"/>
+                  </a:ext>
+                </a:extLst>
+              </a:tr>
+              <a:tr h="140931">
+                <a:tc vMerge="1">
+                  <a:txBody>
+                    <a:bodyPr/>
+                    <a:lstStyle/>
+                    <a:p>
+                      <a:endParaRPr lang="zh-CN" altLang="en-US"/>
+                    </a:p>
+                  </a:txBody>
+                  <a:tcPr/>
+                </a:tc>
+                <a:tc vMerge="1">
+                  <a:txBody>
+                    <a:bodyPr/>
+                    <a:lstStyle/>
+                    <a:p>
+                      <a:endParaRPr lang="zh-CN" altLang="en-US"/>
+                    </a:p>
+                  </a:txBody>
+                  <a:tcPr/>
+                </a:tc>
+                <a:tc>
+                  <a:txBody>
+                    <a:bodyPr/>
+                    <a:lstStyle/>
+                    <a:p>
+                      <a:pPr algn="l" fontAlgn="ctr"/>
+                      <a:endParaRPr lang="zh-CN" altLang="en-US" sz="600" b="0" i="0" u="none" strike="noStrike">
+                        <a:solidFill>
+                          <a:srgbClr val="000000"/>
+                        </a:solidFill>
+                        <a:effectLst/>
+                        <a:latin typeface="Courier" pitchFamily="2" charset="0"/>
+                        <a:ea typeface="等线" panose="02010600030101010101" pitchFamily="2" charset="-122"/>
+                      </a:endParaRPr>
+                    </a:p>
+                  </a:txBody>
+                  <a:tcPr marL="9525" marR="9525" marT="9525" marB="0" anchor="ctr">
+                    <a:lnL w="6350" cap="flat" cmpd="sng" algn="ctr">
+                      <a:solidFill>
+                        <a:srgbClr val="000000"/>
+                      </a:solidFill>
+                      <a:prstDash val="solid"/>
+                      <a:round/>
+                      <a:headEnd type="none" w="med" len="med"/>
+                      <a:tailEnd type="none" w="med" len="med"/>
+                    </a:lnL>
+                    <a:lnR>
+                      <a:noFill/>
+                    </a:lnR>
+                    <a:lnT>
+                      <a:noFill/>
+                    </a:lnT>
+                    <a:lnB>
+                      <a:noFill/>
+                    </a:lnB>
+                  </a:tcPr>
+                </a:tc>
+                <a:extLst>
+                  <a:ext uri="{0D108BD9-81ED-4DB2-BD59-A6C34878D82A}">
+                    <a16:rowId xmlns:a16="http://schemas.microsoft.com/office/drawing/2014/main" val="3311844481"/>
+                  </a:ext>
+                </a:extLst>
+              </a:tr>
+              <a:tr h="140931">
+                <a:tc vMerge="1">
+                  <a:txBody>
+                    <a:bodyPr/>
+                    <a:lstStyle/>
+                    <a:p>
+                      <a:endParaRPr lang="zh-CN" altLang="en-US"/>
+                    </a:p>
+                  </a:txBody>
+                  <a:tcPr/>
+                </a:tc>
+                <a:tc vMerge="1">
+                  <a:txBody>
+                    <a:bodyPr/>
+                    <a:lstStyle/>
+                    <a:p>
+                      <a:endParaRPr lang="zh-CN" altLang="en-US"/>
+                    </a:p>
+                  </a:txBody>
+                  <a:tcPr/>
+                </a:tc>
+                <a:tc>
+                  <a:txBody>
+                    <a:bodyPr/>
+                    <a:lstStyle/>
+                    <a:p>
+                      <a:pPr algn="l" fontAlgn="ctr"/>
+                      <a:endParaRPr lang="zh-CN" altLang="en-US" sz="600" b="0" i="0" u="none" strike="noStrike">
+                        <a:solidFill>
+                          <a:srgbClr val="000000"/>
+                        </a:solidFill>
+                        <a:effectLst/>
+                        <a:latin typeface="Courier" pitchFamily="2" charset="0"/>
+                        <a:ea typeface="等线" panose="02010600030101010101" pitchFamily="2" charset="-122"/>
+                      </a:endParaRPr>
+                    </a:p>
+                  </a:txBody>
+                  <a:tcPr marL="9525" marR="9525" marT="9525" marB="0" anchor="ctr">
+                    <a:lnL w="6350" cap="flat" cmpd="sng" algn="ctr">
+                      <a:solidFill>
+                        <a:srgbClr val="000000"/>
+                      </a:solidFill>
+                      <a:prstDash val="solid"/>
+                      <a:round/>
+                      <a:headEnd type="none" w="med" len="med"/>
+                      <a:tailEnd type="none" w="med" len="med"/>
+                    </a:lnL>
+                    <a:lnR>
+                      <a:noFill/>
+                    </a:lnR>
+                    <a:lnT>
+                      <a:noFill/>
+                    </a:lnT>
+                    <a:lnB>
+                      <a:noFill/>
+                    </a:lnB>
+                  </a:tcPr>
+                </a:tc>
+                <a:extLst>
+                  <a:ext uri="{0D108BD9-81ED-4DB2-BD59-A6C34878D82A}">
+                    <a16:rowId xmlns:a16="http://schemas.microsoft.com/office/drawing/2014/main" val="2670499056"/>
+                  </a:ext>
+                </a:extLst>
+              </a:tr>
+              <a:tr h="140931">
+                <a:tc vMerge="1">
+                  <a:txBody>
+                    <a:bodyPr/>
+                    <a:lstStyle/>
+                    <a:p>
+                      <a:endParaRPr lang="zh-CN" altLang="en-US"/>
+                    </a:p>
+                  </a:txBody>
+                  <a:tcPr/>
+                </a:tc>
+                <a:tc vMerge="1">
+                  <a:txBody>
+                    <a:bodyPr/>
+                    <a:lstStyle/>
+                    <a:p>
+                      <a:endParaRPr lang="zh-CN" altLang="en-US"/>
+                    </a:p>
+                  </a:txBody>
+                  <a:tcPr/>
+                </a:tc>
+                <a:tc>
+                  <a:txBody>
+                    <a:bodyPr/>
+                    <a:lstStyle/>
+                    <a:p>
+                      <a:pPr algn="l" fontAlgn="ctr"/>
+                      <a:endParaRPr lang="zh-CN" altLang="en-US" sz="600" b="0" i="0" u="none" strike="noStrike" dirty="0">
+                        <a:solidFill>
+                          <a:srgbClr val="000000"/>
+                        </a:solidFill>
+                        <a:effectLst/>
+                        <a:latin typeface="Courier" pitchFamily="2" charset="0"/>
+                        <a:ea typeface="等线" panose="02010600030101010101" pitchFamily="2" charset="-122"/>
+                      </a:endParaRPr>
+                    </a:p>
+                  </a:txBody>
+                  <a:tcPr marL="9525" marR="9525" marT="9525" marB="0" anchor="ctr">
+                    <a:lnL w="6350" cap="flat" cmpd="sng" algn="ctr">
+                      <a:solidFill>
+                        <a:srgbClr val="000000"/>
+                      </a:solidFill>
+                      <a:prstDash val="solid"/>
+                      <a:round/>
+                      <a:headEnd type="none" w="med" len="med"/>
+                      <a:tailEnd type="none" w="med" len="med"/>
+                    </a:lnL>
+                    <a:lnR>
+                      <a:noFill/>
+                    </a:lnR>
+                    <a:lnT>
+                      <a:noFill/>
+                    </a:lnT>
+                    <a:lnB>
+                      <a:noFill/>
+                    </a:lnB>
+                  </a:tcPr>
+                </a:tc>
+                <a:extLst>
+                  <a:ext uri="{0D108BD9-81ED-4DB2-BD59-A6C34878D82A}">
+                    <a16:rowId xmlns:a16="http://schemas.microsoft.com/office/drawing/2014/main" val="925852108"/>
+                  </a:ext>
+                </a:extLst>
+              </a:tr>
+              <a:tr h="140931">
+                <a:tc vMerge="1">
+                  <a:txBody>
+                    <a:bodyPr/>
+                    <a:lstStyle/>
+                    <a:p>
+                      <a:endParaRPr lang="zh-CN" altLang="en-US"/>
+                    </a:p>
+                  </a:txBody>
+                  <a:tcPr/>
+                </a:tc>
+                <a:tc vMerge="1">
+                  <a:txBody>
+                    <a:bodyPr/>
+                    <a:lstStyle/>
+                    <a:p>
+                      <a:endParaRPr lang="zh-CN" altLang="en-US"/>
+                    </a:p>
+                  </a:txBody>
+                  <a:tcPr/>
+                </a:tc>
+                <a:tc>
+                  <a:txBody>
+                    <a:bodyPr/>
+                    <a:lstStyle/>
+                    <a:p>
+                      <a:pPr algn="l" fontAlgn="ctr"/>
+                      <a:endParaRPr lang="zh-CN" altLang="en-US" sz="600" b="0" i="0" u="none" strike="noStrike">
+                        <a:solidFill>
+                          <a:srgbClr val="000000"/>
+                        </a:solidFill>
+                        <a:effectLst/>
+                        <a:latin typeface="Courier" pitchFamily="2" charset="0"/>
+                        <a:ea typeface="等线" panose="02010600030101010101" pitchFamily="2" charset="-122"/>
+                      </a:endParaRPr>
+                    </a:p>
+                  </a:txBody>
+                  <a:tcPr marL="9525" marR="9525" marT="9525" marB="0" anchor="ctr">
+                    <a:lnL w="6350" cap="flat" cmpd="sng" algn="ctr">
+                      <a:solidFill>
+                        <a:srgbClr val="000000"/>
+                      </a:solidFill>
+                      <a:prstDash val="solid"/>
+                      <a:round/>
+                      <a:headEnd type="none" w="med" len="med"/>
+                      <a:tailEnd type="none" w="med" len="med"/>
+                    </a:lnL>
+                    <a:lnR>
+                      <a:noFill/>
+                    </a:lnR>
+                    <a:lnT>
+                      <a:noFill/>
+                    </a:lnT>
+                    <a:lnB>
+                      <a:noFill/>
+                    </a:lnB>
+                  </a:tcPr>
+                </a:tc>
+                <a:extLst>
+                  <a:ext uri="{0D108BD9-81ED-4DB2-BD59-A6C34878D82A}">
+                    <a16:rowId xmlns:a16="http://schemas.microsoft.com/office/drawing/2014/main" val="682462126"/>
+                  </a:ext>
+                </a:extLst>
+              </a:tr>
+              <a:tr h="140931">
+                <a:tc vMerge="1">
+                  <a:txBody>
+                    <a:bodyPr/>
+                    <a:lstStyle/>
+                    <a:p>
+                      <a:endParaRPr lang="zh-CN" altLang="en-US"/>
+                    </a:p>
+                  </a:txBody>
+                  <a:tcPr/>
+                </a:tc>
+                <a:tc vMerge="1">
+                  <a:txBody>
+                    <a:bodyPr/>
+                    <a:lstStyle/>
+                    <a:p>
+                      <a:endParaRPr lang="zh-CN" altLang="en-US"/>
+                    </a:p>
+                  </a:txBody>
+                  <a:tcPr/>
+                </a:tc>
+                <a:tc>
+                  <a:txBody>
+                    <a:bodyPr/>
+                    <a:lstStyle/>
+                    <a:p>
+                      <a:pPr algn="l" fontAlgn="ctr"/>
+                      <a:endParaRPr lang="zh-CN" altLang="en-US" sz="600" b="0" i="0" u="none" strike="noStrike">
+                        <a:solidFill>
+                          <a:srgbClr val="000000"/>
+                        </a:solidFill>
+                        <a:effectLst/>
+                        <a:latin typeface="Courier" pitchFamily="2" charset="0"/>
+                        <a:ea typeface="等线" panose="02010600030101010101" pitchFamily="2" charset="-122"/>
+                      </a:endParaRPr>
+                    </a:p>
+                  </a:txBody>
+                  <a:tcPr marL="9525" marR="9525" marT="9525" marB="0" anchor="ctr">
+                    <a:lnL w="6350" cap="flat" cmpd="sng" algn="ctr">
+                      <a:solidFill>
+                        <a:srgbClr val="000000"/>
+                      </a:solidFill>
+                      <a:prstDash val="solid"/>
+                      <a:round/>
+                      <a:headEnd type="none" w="med" len="med"/>
+                      <a:tailEnd type="none" w="med" len="med"/>
+                    </a:lnL>
+                    <a:lnR>
+                      <a:noFill/>
+                    </a:lnR>
+                    <a:lnT>
+                      <a:noFill/>
+                    </a:lnT>
+                    <a:lnB>
+                      <a:noFill/>
+                    </a:lnB>
+                  </a:tcPr>
+                </a:tc>
+                <a:extLst>
+                  <a:ext uri="{0D108BD9-81ED-4DB2-BD59-A6C34878D82A}">
+                    <a16:rowId xmlns:a16="http://schemas.microsoft.com/office/drawing/2014/main" val="3076308850"/>
+                  </a:ext>
+                </a:extLst>
+              </a:tr>
+              <a:tr h="140931">
+                <a:tc vMerge="1">
+                  <a:txBody>
+                    <a:bodyPr/>
+                    <a:lstStyle/>
+                    <a:p>
+                      <a:endParaRPr lang="zh-CN" altLang="en-US"/>
+                    </a:p>
+                  </a:txBody>
+                  <a:tcPr/>
+                </a:tc>
+                <a:tc vMerge="1">
+                  <a:txBody>
+                    <a:bodyPr/>
+                    <a:lstStyle/>
+                    <a:p>
+                      <a:endParaRPr lang="zh-CN" altLang="en-US"/>
+                    </a:p>
+                  </a:txBody>
+                  <a:tcPr/>
+                </a:tc>
+                <a:tc>
+                  <a:txBody>
+                    <a:bodyPr/>
+                    <a:lstStyle/>
+                    <a:p>
+                      <a:pPr algn="l" fontAlgn="ctr"/>
+                      <a:endParaRPr lang="zh-CN" altLang="en-US" sz="600" b="0" i="0" u="none" strike="noStrike">
+                        <a:solidFill>
+                          <a:srgbClr val="000000"/>
+                        </a:solidFill>
+                        <a:effectLst/>
+                        <a:latin typeface="Courier" pitchFamily="2" charset="0"/>
+                        <a:ea typeface="等线" panose="02010600030101010101" pitchFamily="2" charset="-122"/>
+                      </a:endParaRPr>
+                    </a:p>
+                  </a:txBody>
+                  <a:tcPr marL="9525" marR="9525" marT="9525" marB="0" anchor="ctr">
+                    <a:lnL w="6350" cap="flat" cmpd="sng" algn="ctr">
+                      <a:solidFill>
+                        <a:srgbClr val="000000"/>
+                      </a:solidFill>
+                      <a:prstDash val="solid"/>
+                      <a:round/>
+                      <a:headEnd type="none" w="med" len="med"/>
+                      <a:tailEnd type="none" w="med" len="med"/>
+                    </a:lnL>
+                    <a:lnR>
+                      <a:noFill/>
+                    </a:lnR>
+                    <a:lnT>
+                      <a:noFill/>
+                    </a:lnT>
+                    <a:lnB>
+                      <a:noFill/>
+                    </a:lnB>
+                  </a:tcPr>
+                </a:tc>
+                <a:extLst>
+                  <a:ext uri="{0D108BD9-81ED-4DB2-BD59-A6C34878D82A}">
+                    <a16:rowId xmlns:a16="http://schemas.microsoft.com/office/drawing/2014/main" val="3427383462"/>
+                  </a:ext>
+                </a:extLst>
+              </a:tr>
+              <a:tr h="140931">
+                <a:tc vMerge="1">
+                  <a:txBody>
+                    <a:bodyPr/>
+                    <a:lstStyle/>
+                    <a:p>
+                      <a:endParaRPr lang="zh-CN" altLang="en-US"/>
+                    </a:p>
+                  </a:txBody>
+                  <a:tcPr/>
+                </a:tc>
+                <a:tc rowSpan="4">
+                  <a:txBody>
+                    <a:bodyPr/>
+                    <a:lstStyle/>
+                    <a:p>
+                      <a:pPr algn="ctr" fontAlgn="ctr"/>
+                      <a:r>
+                        <a:rPr lang="en" sz="2000" b="0" i="0" u="none" strike="noStrike" dirty="0">
+                          <a:solidFill>
+                            <a:srgbClr val="000000"/>
+                          </a:solidFill>
+                          <a:effectLst/>
+                          <a:latin typeface="Courier" pitchFamily="2" charset="0"/>
+                          <a:ea typeface="等线" panose="02010600030101010101" pitchFamily="2" charset="-122"/>
+                        </a:rPr>
+                        <a:t>cols:4</a:t>
+                      </a:r>
+                    </a:p>
+                  </a:txBody>
+                  <a:tcPr marL="9525" marR="9525" marT="9525" marB="0" anchor="ctr">
+                    <a:lnL w="6350" cap="flat" cmpd="sng" algn="ctr">
+                      <a:solidFill>
+                        <a:srgbClr val="000000"/>
+                      </a:solidFill>
+                      <a:prstDash val="solid"/>
+                      <a:round/>
+                      <a:headEnd type="none" w="med" len="med"/>
+                      <a:tailEnd type="none" w="med" len="med"/>
+                    </a:lnL>
+                    <a:lnR w="6350" cap="flat" cmpd="sng" algn="ctr">
+                      <a:solidFill>
+                        <a:srgbClr val="000000"/>
+                      </a:solidFill>
+                      <a:prstDash val="solid"/>
+                      <a:round/>
+                      <a:headEnd type="none" w="med" len="med"/>
+                      <a:tailEnd type="none" w="med" len="med"/>
+                    </a:lnR>
+                    <a:lnT w="6350" cap="flat" cmpd="sng" algn="ctr">
+                      <a:solidFill>
+                        <a:srgbClr val="000000"/>
+                      </a:solidFill>
+                      <a:prstDash val="solid"/>
+                      <a:round/>
+                      <a:headEnd type="none" w="med" len="med"/>
+                      <a:tailEnd type="none" w="med" len="med"/>
+                    </a:lnT>
+                    <a:lnB w="6350" cap="flat" cmpd="sng" algn="ctr">
+                      <a:solidFill>
+                        <a:srgbClr val="000000"/>
+                      </a:solidFill>
+                      <a:prstDash val="solid"/>
+                      <a:round/>
+                      <a:headEnd type="none" w="med" len="med"/>
+                      <a:tailEnd type="none" w="med" len="med"/>
+                    </a:lnB>
+                    <a:solidFill>
+                      <a:srgbClr val="E2EFDA"/>
+                    </a:solidFill>
+                  </a:tcPr>
+                </a:tc>
+                <a:tc>
+                  <a:txBody>
+                    <a:bodyPr/>
+                    <a:lstStyle/>
+                    <a:p>
+                      <a:pPr algn="l" fontAlgn="ctr"/>
+                      <a:endParaRPr lang="zh-CN" altLang="en-US" sz="600" b="0" i="0" u="none" strike="noStrike">
+                        <a:solidFill>
+                          <a:srgbClr val="000000"/>
+                        </a:solidFill>
+                        <a:effectLst/>
+                        <a:latin typeface="Courier" pitchFamily="2" charset="0"/>
+                        <a:ea typeface="等线" panose="02010600030101010101" pitchFamily="2" charset="-122"/>
+                      </a:endParaRPr>
+                    </a:p>
+                  </a:txBody>
+                  <a:tcPr marL="9525" marR="9525" marT="9525" marB="0" anchor="ctr">
+                    <a:lnL w="6350" cap="flat" cmpd="sng" algn="ctr">
+                      <a:solidFill>
+                        <a:srgbClr val="000000"/>
+                      </a:solidFill>
+                      <a:prstDash val="solid"/>
+                      <a:round/>
+                      <a:headEnd type="none" w="med" len="med"/>
+                      <a:tailEnd type="none" w="med" len="med"/>
+                    </a:lnL>
+                    <a:lnR>
+                      <a:noFill/>
+                    </a:lnR>
+                    <a:lnT>
+                      <a:noFill/>
+                    </a:lnT>
+                    <a:lnB>
+                      <a:noFill/>
+                    </a:lnB>
+                  </a:tcPr>
+                </a:tc>
+                <a:extLst>
+                  <a:ext uri="{0D108BD9-81ED-4DB2-BD59-A6C34878D82A}">
+                    <a16:rowId xmlns:a16="http://schemas.microsoft.com/office/drawing/2014/main" val="219842797"/>
+                  </a:ext>
+                </a:extLst>
+              </a:tr>
+              <a:tr h="140931">
+                <a:tc vMerge="1">
+                  <a:txBody>
+                    <a:bodyPr/>
+                    <a:lstStyle/>
+                    <a:p>
+                      <a:endParaRPr lang="zh-CN" altLang="en-US"/>
+                    </a:p>
+                  </a:txBody>
+                  <a:tcPr/>
+                </a:tc>
+                <a:tc vMerge="1">
+                  <a:txBody>
+                    <a:bodyPr/>
+                    <a:lstStyle/>
+                    <a:p>
+                      <a:endParaRPr lang="zh-CN" altLang="en-US"/>
+                    </a:p>
+                  </a:txBody>
+                  <a:tcPr/>
+                </a:tc>
+                <a:tc>
+                  <a:txBody>
+                    <a:bodyPr/>
+                    <a:lstStyle/>
+                    <a:p>
+                      <a:pPr algn="l" fontAlgn="ctr"/>
+                      <a:endParaRPr lang="zh-CN" altLang="en-US" sz="600" b="0" i="0" u="none" strike="noStrike">
+                        <a:solidFill>
+                          <a:srgbClr val="000000"/>
+                        </a:solidFill>
+                        <a:effectLst/>
+                        <a:latin typeface="Courier" pitchFamily="2" charset="0"/>
+                        <a:ea typeface="等线" panose="02010600030101010101" pitchFamily="2" charset="-122"/>
+                      </a:endParaRPr>
+                    </a:p>
+                  </a:txBody>
+                  <a:tcPr marL="9525" marR="9525" marT="9525" marB="0" anchor="ctr">
+                    <a:lnL w="6350" cap="flat" cmpd="sng" algn="ctr">
+                      <a:solidFill>
+                        <a:srgbClr val="000000"/>
+                      </a:solidFill>
+                      <a:prstDash val="solid"/>
+                      <a:round/>
+                      <a:headEnd type="none" w="med" len="med"/>
+                      <a:tailEnd type="none" w="med" len="med"/>
+                    </a:lnL>
+                    <a:lnR>
+                      <a:noFill/>
+                    </a:lnR>
+                    <a:lnT>
+                      <a:noFill/>
+                    </a:lnT>
+                    <a:lnB>
+                      <a:noFill/>
+                    </a:lnB>
+                  </a:tcPr>
+                </a:tc>
+                <a:extLst>
+                  <a:ext uri="{0D108BD9-81ED-4DB2-BD59-A6C34878D82A}">
+                    <a16:rowId xmlns:a16="http://schemas.microsoft.com/office/drawing/2014/main" val="3584994914"/>
+                  </a:ext>
+                </a:extLst>
+              </a:tr>
+              <a:tr h="140931">
+                <a:tc vMerge="1">
+                  <a:txBody>
+                    <a:bodyPr/>
+                    <a:lstStyle/>
+                    <a:p>
+                      <a:endParaRPr lang="zh-CN" altLang="en-US"/>
+                    </a:p>
+                  </a:txBody>
+                  <a:tcPr/>
+                </a:tc>
+                <a:tc vMerge="1">
+                  <a:txBody>
+                    <a:bodyPr/>
+                    <a:lstStyle/>
+                    <a:p>
+                      <a:endParaRPr lang="zh-CN" altLang="en-US"/>
+                    </a:p>
+                  </a:txBody>
+                  <a:tcPr/>
+                </a:tc>
+                <a:tc>
+                  <a:txBody>
+                    <a:bodyPr/>
+                    <a:lstStyle/>
+                    <a:p>
+                      <a:pPr algn="l" fontAlgn="ctr"/>
+                      <a:endParaRPr lang="zh-CN" altLang="en-US" sz="600" b="0" i="0" u="none" strike="noStrike">
+                        <a:solidFill>
+                          <a:srgbClr val="000000"/>
+                        </a:solidFill>
+                        <a:effectLst/>
+                        <a:latin typeface="Courier" pitchFamily="2" charset="0"/>
+                        <a:ea typeface="等线" panose="02010600030101010101" pitchFamily="2" charset="-122"/>
+                      </a:endParaRPr>
+                    </a:p>
+                  </a:txBody>
+                  <a:tcPr marL="9525" marR="9525" marT="9525" marB="0" anchor="ctr">
+                    <a:lnL w="6350" cap="flat" cmpd="sng" algn="ctr">
+                      <a:solidFill>
+                        <a:srgbClr val="000000"/>
+                      </a:solidFill>
+                      <a:prstDash val="solid"/>
+                      <a:round/>
+                      <a:headEnd type="none" w="med" len="med"/>
+                      <a:tailEnd type="none" w="med" len="med"/>
+                    </a:lnL>
+                    <a:lnR>
+                      <a:noFill/>
+                    </a:lnR>
+                    <a:lnT>
+                      <a:noFill/>
+                    </a:lnT>
+                    <a:lnB>
+                      <a:noFill/>
+                    </a:lnB>
+                  </a:tcPr>
+                </a:tc>
+                <a:extLst>
+                  <a:ext uri="{0D108BD9-81ED-4DB2-BD59-A6C34878D82A}">
+                    <a16:rowId xmlns:a16="http://schemas.microsoft.com/office/drawing/2014/main" val="3145029872"/>
+                  </a:ext>
+                </a:extLst>
+              </a:tr>
+              <a:tr h="140931">
+                <a:tc vMerge="1">
+                  <a:txBody>
+                    <a:bodyPr/>
+                    <a:lstStyle/>
+                    <a:p>
+                      <a:endParaRPr lang="zh-CN" altLang="en-US"/>
+                    </a:p>
+                  </a:txBody>
+                  <a:tcPr/>
+                </a:tc>
+                <a:tc vMerge="1">
+                  <a:txBody>
+                    <a:bodyPr/>
+                    <a:lstStyle/>
+                    <a:p>
+                      <a:endParaRPr lang="zh-CN" altLang="en-US"/>
+                    </a:p>
+                  </a:txBody>
+                  <a:tcPr/>
+                </a:tc>
+                <a:tc>
+                  <a:txBody>
+                    <a:bodyPr/>
+                    <a:lstStyle/>
+                    <a:p>
+                      <a:pPr algn="l" fontAlgn="ctr"/>
+                      <a:endParaRPr lang="zh-CN" altLang="en-US" sz="600" b="0" i="0" u="none" strike="noStrike">
+                        <a:solidFill>
+                          <a:srgbClr val="000000"/>
+                        </a:solidFill>
+                        <a:effectLst/>
+                        <a:latin typeface="Courier" pitchFamily="2" charset="0"/>
+                        <a:ea typeface="等线" panose="02010600030101010101" pitchFamily="2" charset="-122"/>
+                      </a:endParaRPr>
+                    </a:p>
+                  </a:txBody>
+                  <a:tcPr marL="9525" marR="9525" marT="9525" marB="0" anchor="ctr">
+                    <a:lnL w="6350" cap="flat" cmpd="sng" algn="ctr">
+                      <a:solidFill>
+                        <a:srgbClr val="000000"/>
+                      </a:solidFill>
+                      <a:prstDash val="solid"/>
+                      <a:round/>
+                      <a:headEnd type="none" w="med" len="med"/>
+                      <a:tailEnd type="none" w="med" len="med"/>
+                    </a:lnL>
+                    <a:lnR>
+                      <a:noFill/>
+                    </a:lnR>
+                    <a:lnT>
+                      <a:noFill/>
+                    </a:lnT>
+                    <a:lnB>
+                      <a:noFill/>
+                    </a:lnB>
+                  </a:tcPr>
+                </a:tc>
+                <a:extLst>
+                  <a:ext uri="{0D108BD9-81ED-4DB2-BD59-A6C34878D82A}">
+                    <a16:rowId xmlns:a16="http://schemas.microsoft.com/office/drawing/2014/main" val="1266705949"/>
+                  </a:ext>
+                </a:extLst>
+              </a:tr>
+              <a:tr h="140931">
+                <a:tc vMerge="1">
+                  <a:txBody>
+                    <a:bodyPr/>
+                    <a:lstStyle/>
+                    <a:p>
+                      <a:endParaRPr lang="zh-CN" altLang="en-US"/>
+                    </a:p>
+                  </a:txBody>
+                  <a:tcPr/>
+                </a:tc>
+                <a:tc rowSpan="4">
+                  <a:txBody>
+                    <a:bodyPr/>
+                    <a:lstStyle/>
+                    <a:p>
+                      <a:pPr algn="ctr" fontAlgn="ctr"/>
+                      <a:r>
+                        <a:rPr lang="en" sz="2000" b="0" i="0" u="none" strike="noStrike" dirty="0">
+                          <a:solidFill>
+                            <a:srgbClr val="000000"/>
+                          </a:solidFill>
+                          <a:effectLst/>
+                          <a:latin typeface="Courier" pitchFamily="2" charset="0"/>
+                          <a:ea typeface="等线" panose="02010600030101010101" pitchFamily="2" charset="-122"/>
+                        </a:rPr>
+                        <a:t>rows:3</a:t>
+                      </a:r>
+                      <a:endParaRPr lang="en" sz="1800" b="0" i="0" u="none" strike="noStrike" dirty="0">
+                        <a:solidFill>
+                          <a:srgbClr val="000000"/>
+                        </a:solidFill>
+                        <a:effectLst/>
+                        <a:latin typeface="Courier" pitchFamily="2" charset="0"/>
+                        <a:ea typeface="等线" panose="02010600030101010101" pitchFamily="2" charset="-122"/>
+                      </a:endParaRPr>
+                    </a:p>
+                  </a:txBody>
+                  <a:tcPr marL="9525" marR="9525" marT="9525" marB="0" anchor="ctr">
+                    <a:lnL w="6350" cap="flat" cmpd="sng" algn="ctr">
+                      <a:solidFill>
+                        <a:srgbClr val="000000"/>
+                      </a:solidFill>
+                      <a:prstDash val="solid"/>
+                      <a:round/>
+                      <a:headEnd type="none" w="med" len="med"/>
+                      <a:tailEnd type="none" w="med" len="med"/>
+                    </a:lnL>
+                    <a:lnR w="6350" cap="flat" cmpd="sng" algn="ctr">
+                      <a:solidFill>
+                        <a:srgbClr val="000000"/>
+                      </a:solidFill>
+                      <a:prstDash val="solid"/>
+                      <a:round/>
+                      <a:headEnd type="none" w="med" len="med"/>
+                      <a:tailEnd type="none" w="med" len="med"/>
+                    </a:lnR>
+                    <a:lnT w="6350" cap="flat" cmpd="sng" algn="ctr">
+                      <a:solidFill>
+                        <a:srgbClr val="000000"/>
+                      </a:solidFill>
+                      <a:prstDash val="solid"/>
+                      <a:round/>
+                      <a:headEnd type="none" w="med" len="med"/>
+                      <a:tailEnd type="none" w="med" len="med"/>
+                    </a:lnT>
+                    <a:lnB w="6350" cap="flat" cmpd="sng" algn="ctr">
+                      <a:solidFill>
+                        <a:srgbClr val="000000"/>
+                      </a:solidFill>
+                      <a:prstDash val="solid"/>
+                      <a:round/>
+                      <a:headEnd type="none" w="med" len="med"/>
+                      <a:tailEnd type="none" w="med" len="med"/>
+                    </a:lnB>
+                    <a:solidFill>
+                      <a:srgbClr val="E2EFDA"/>
+                    </a:solidFill>
+                  </a:tcPr>
+                </a:tc>
+                <a:tc>
+                  <a:txBody>
+                    <a:bodyPr/>
+                    <a:lstStyle/>
+                    <a:p>
+                      <a:pPr algn="l" fontAlgn="ctr"/>
+                      <a:endParaRPr lang="zh-CN" altLang="en-US" sz="600" b="0" i="0" u="none" strike="noStrike">
+                        <a:solidFill>
+                          <a:srgbClr val="000000"/>
+                        </a:solidFill>
+                        <a:effectLst/>
+                        <a:latin typeface="Courier" pitchFamily="2" charset="0"/>
+                        <a:ea typeface="等线" panose="02010600030101010101" pitchFamily="2" charset="-122"/>
+                      </a:endParaRPr>
+                    </a:p>
+                  </a:txBody>
+                  <a:tcPr marL="9525" marR="9525" marT="9525" marB="0" anchor="ctr">
+                    <a:lnL w="6350" cap="flat" cmpd="sng" algn="ctr">
+                      <a:solidFill>
+                        <a:srgbClr val="000000"/>
+                      </a:solidFill>
+                      <a:prstDash val="solid"/>
+                      <a:round/>
+                      <a:headEnd type="none" w="med" len="med"/>
+                      <a:tailEnd type="none" w="med" len="med"/>
+                    </a:lnL>
+                    <a:lnR>
+                      <a:noFill/>
+                    </a:lnR>
+                    <a:lnT>
+                      <a:noFill/>
+                    </a:lnT>
+                    <a:lnB>
+                      <a:noFill/>
+                    </a:lnB>
+                  </a:tcPr>
+                </a:tc>
+                <a:extLst>
+                  <a:ext uri="{0D108BD9-81ED-4DB2-BD59-A6C34878D82A}">
+                    <a16:rowId xmlns:a16="http://schemas.microsoft.com/office/drawing/2014/main" val="2017658352"/>
+                  </a:ext>
+                </a:extLst>
+              </a:tr>
+              <a:tr h="140931">
+                <a:tc vMerge="1">
+                  <a:txBody>
+                    <a:bodyPr/>
+                    <a:lstStyle/>
+                    <a:p>
+                      <a:endParaRPr lang="zh-CN" altLang="en-US"/>
+                    </a:p>
+                  </a:txBody>
+                  <a:tcPr/>
+                </a:tc>
+                <a:tc vMerge="1">
+                  <a:txBody>
+                    <a:bodyPr/>
+                    <a:lstStyle/>
+                    <a:p>
+                      <a:endParaRPr lang="zh-CN" altLang="en-US"/>
+                    </a:p>
+                  </a:txBody>
+                  <a:tcPr/>
+                </a:tc>
+                <a:tc>
+                  <a:txBody>
+                    <a:bodyPr/>
+                    <a:lstStyle/>
+                    <a:p>
+                      <a:pPr algn="l" fontAlgn="ctr"/>
+                      <a:endParaRPr lang="zh-CN" altLang="en-US" sz="600" b="0" i="0" u="none" strike="noStrike">
+                        <a:solidFill>
+                          <a:srgbClr val="000000"/>
+                        </a:solidFill>
+                        <a:effectLst/>
+                        <a:latin typeface="Courier" pitchFamily="2" charset="0"/>
+                        <a:ea typeface="等线" panose="02010600030101010101" pitchFamily="2" charset="-122"/>
+                      </a:endParaRPr>
+                    </a:p>
+                  </a:txBody>
+                  <a:tcPr marL="9525" marR="9525" marT="9525" marB="0" anchor="ctr">
+                    <a:lnL w="6350" cap="flat" cmpd="sng" algn="ctr">
+                      <a:solidFill>
+                        <a:srgbClr val="000000"/>
+                      </a:solidFill>
+                      <a:prstDash val="solid"/>
+                      <a:round/>
+                      <a:headEnd type="none" w="med" len="med"/>
+                      <a:tailEnd type="none" w="med" len="med"/>
+                    </a:lnL>
+                    <a:lnR>
+                      <a:noFill/>
+                    </a:lnR>
+                    <a:lnT>
+                      <a:noFill/>
+                    </a:lnT>
+                    <a:lnB>
+                      <a:noFill/>
+                    </a:lnB>
+                  </a:tcPr>
+                </a:tc>
+                <a:extLst>
+                  <a:ext uri="{0D108BD9-81ED-4DB2-BD59-A6C34878D82A}">
+                    <a16:rowId xmlns:a16="http://schemas.microsoft.com/office/drawing/2014/main" val="1504834328"/>
+                  </a:ext>
+                </a:extLst>
+              </a:tr>
+              <a:tr h="140931">
+                <a:tc vMerge="1">
+                  <a:txBody>
+                    <a:bodyPr/>
+                    <a:lstStyle/>
+                    <a:p>
+                      <a:endParaRPr lang="zh-CN" altLang="en-US"/>
+                    </a:p>
+                  </a:txBody>
+                  <a:tcPr/>
+                </a:tc>
+                <a:tc vMerge="1">
+                  <a:txBody>
+                    <a:bodyPr/>
+                    <a:lstStyle/>
+                    <a:p>
+                      <a:endParaRPr lang="zh-CN" altLang="en-US"/>
+                    </a:p>
+                  </a:txBody>
+                  <a:tcPr/>
+                </a:tc>
+                <a:tc>
+                  <a:txBody>
+                    <a:bodyPr/>
+                    <a:lstStyle/>
+                    <a:p>
+                      <a:pPr algn="l" fontAlgn="ctr"/>
+                      <a:endParaRPr lang="zh-CN" altLang="en-US" sz="600" b="0" i="0" u="none" strike="noStrike">
+                        <a:solidFill>
+                          <a:srgbClr val="000000"/>
+                        </a:solidFill>
+                        <a:effectLst/>
+                        <a:latin typeface="Courier" pitchFamily="2" charset="0"/>
+                        <a:ea typeface="等线" panose="02010600030101010101" pitchFamily="2" charset="-122"/>
+                      </a:endParaRPr>
+                    </a:p>
+                  </a:txBody>
+                  <a:tcPr marL="9525" marR="9525" marT="9525" marB="0" anchor="ctr">
+                    <a:lnL w="6350" cap="flat" cmpd="sng" algn="ctr">
+                      <a:solidFill>
+                        <a:srgbClr val="000000"/>
+                      </a:solidFill>
+                      <a:prstDash val="solid"/>
+                      <a:round/>
+                      <a:headEnd type="none" w="med" len="med"/>
+                      <a:tailEnd type="none" w="med" len="med"/>
+                    </a:lnL>
+                    <a:lnR>
+                      <a:noFill/>
+                    </a:lnR>
+                    <a:lnT>
+                      <a:noFill/>
+                    </a:lnT>
+                    <a:lnB>
+                      <a:noFill/>
+                    </a:lnB>
+                  </a:tcPr>
+                </a:tc>
+                <a:extLst>
+                  <a:ext uri="{0D108BD9-81ED-4DB2-BD59-A6C34878D82A}">
+                    <a16:rowId xmlns:a16="http://schemas.microsoft.com/office/drawing/2014/main" val="3185814278"/>
+                  </a:ext>
+                </a:extLst>
+              </a:tr>
+              <a:tr h="140931">
+                <a:tc vMerge="1">
+                  <a:txBody>
+                    <a:bodyPr/>
+                    <a:lstStyle/>
+                    <a:p>
+                      <a:endParaRPr lang="zh-CN" altLang="en-US"/>
+                    </a:p>
+                  </a:txBody>
+                  <a:tcPr/>
+                </a:tc>
+                <a:tc vMerge="1">
+                  <a:txBody>
+                    <a:bodyPr/>
+                    <a:lstStyle/>
+                    <a:p>
+                      <a:endParaRPr lang="zh-CN" altLang="en-US"/>
+                    </a:p>
+                  </a:txBody>
+                  <a:tcPr/>
+                </a:tc>
+                <a:tc>
+                  <a:txBody>
+                    <a:bodyPr/>
+                    <a:lstStyle/>
+                    <a:p>
+                      <a:pPr algn="l" fontAlgn="ctr"/>
+                      <a:endParaRPr lang="zh-CN" altLang="en-US" sz="600" b="0" i="0" u="none" strike="noStrike" dirty="0">
+                        <a:solidFill>
+                          <a:srgbClr val="000000"/>
+                        </a:solidFill>
+                        <a:effectLst/>
+                        <a:latin typeface="Courier" pitchFamily="2" charset="0"/>
+                        <a:ea typeface="等线" panose="02010600030101010101" pitchFamily="2" charset="-122"/>
+                      </a:endParaRPr>
+                    </a:p>
+                  </a:txBody>
+                  <a:tcPr marL="9525" marR="9525" marT="9525" marB="0" anchor="ctr">
+                    <a:lnL w="6350" cap="flat" cmpd="sng" algn="ctr">
+                      <a:solidFill>
+                        <a:srgbClr val="000000"/>
+                      </a:solidFill>
+                      <a:prstDash val="solid"/>
+                      <a:round/>
+                      <a:headEnd type="none" w="med" len="med"/>
+                      <a:tailEnd type="none" w="med" len="med"/>
+                    </a:lnL>
+                    <a:lnR>
+                      <a:noFill/>
+                    </a:lnR>
+                    <a:lnT>
+                      <a:noFill/>
+                    </a:lnT>
+                    <a:lnB>
+                      <a:noFill/>
+                    </a:lnB>
+                  </a:tcPr>
+                </a:tc>
+                <a:extLst>
+                  <a:ext uri="{0D108BD9-81ED-4DB2-BD59-A6C34878D82A}">
+                    <a16:rowId xmlns:a16="http://schemas.microsoft.com/office/drawing/2014/main" val="1780127400"/>
+                  </a:ext>
+                </a:extLst>
+              </a:tr>
+              <a:tr h="140931">
+                <a:tc>
+                  <a:txBody>
+                    <a:bodyPr/>
+                    <a:lstStyle/>
+                    <a:p>
+                      <a:pPr algn="l" fontAlgn="ctr"/>
+                      <a:endParaRPr lang="zh-CN" altLang="en-US" sz="1200" b="0" i="0" u="none" strike="noStrike" dirty="0">
+                        <a:solidFill>
+                          <a:srgbClr val="000000"/>
+                        </a:solidFill>
+                        <a:effectLst/>
+                        <a:latin typeface="Courier" pitchFamily="2" charset="0"/>
+                        <a:ea typeface="等线" panose="02010600030101010101" pitchFamily="2" charset="-122"/>
+                      </a:endParaRPr>
+                    </a:p>
+                  </a:txBody>
+                  <a:tcPr marL="9525" marR="9525" marT="9525" marB="0" anchor="ctr">
+                    <a:lnL>
+                      <a:noFill/>
+                    </a:lnL>
+                    <a:lnR w="6350" cap="flat" cmpd="sng" algn="ctr">
+                      <a:solidFill>
+                        <a:srgbClr val="000000"/>
+                      </a:solidFill>
+                      <a:prstDash val="solid"/>
+                      <a:round/>
+                      <a:headEnd type="none" w="med" len="med"/>
+                      <a:tailEnd type="none" w="med" len="med"/>
+                    </a:lnR>
+                    <a:lnT>
+                      <a:noFill/>
+                    </a:lnT>
+                    <a:lnB>
+                      <a:noFill/>
+                    </a:lnB>
+                  </a:tcPr>
+                </a:tc>
+                <a:tc>
+                  <a:txBody>
+                    <a:bodyPr/>
+                    <a:lstStyle/>
+                    <a:p>
+                      <a:pPr algn="ctr" fontAlgn="ctr"/>
+                      <a:r>
+                        <a:rPr lang="zh-CN" altLang="en-US" sz="1200" b="0" i="0" u="none" strike="noStrike" dirty="0">
+                          <a:solidFill>
+                            <a:srgbClr val="000000"/>
+                          </a:solidFill>
+                          <a:effectLst/>
+                          <a:latin typeface="Courier" pitchFamily="2" charset="0"/>
+                          <a:ea typeface="等线" panose="02010600030101010101" pitchFamily="2" charset="-122"/>
+                        </a:rPr>
+                        <a:t>　</a:t>
+                      </a:r>
+                    </a:p>
+                  </a:txBody>
+                  <a:tcPr marL="9525" marR="9525" marT="9525" marB="0" anchor="ctr">
+                    <a:lnL w="6350" cap="flat" cmpd="sng" algn="ctr">
+                      <a:solidFill>
+                        <a:srgbClr val="000000"/>
+                      </a:solidFill>
+                      <a:prstDash val="solid"/>
+                      <a:round/>
+                      <a:headEnd type="none" w="med" len="med"/>
+                      <a:tailEnd type="none" w="med" len="med"/>
+                    </a:lnL>
+                    <a:lnR w="6350" cap="flat" cmpd="sng" algn="ctr">
+                      <a:solidFill>
+                        <a:srgbClr val="000000"/>
+                      </a:solidFill>
+                      <a:prstDash val="solid"/>
+                      <a:round/>
+                      <a:headEnd type="none" w="med" len="med"/>
+                      <a:tailEnd type="none" w="med" len="med"/>
+                    </a:lnR>
+                    <a:lnT w="6350" cap="flat" cmpd="sng" algn="ctr">
+                      <a:solidFill>
+                        <a:srgbClr val="000000"/>
+                      </a:solidFill>
+                      <a:prstDash val="solid"/>
+                      <a:round/>
+                      <a:headEnd type="none" w="med" len="med"/>
+                      <a:tailEnd type="none" w="med" len="med"/>
+                    </a:lnT>
+                    <a:lnB>
+                      <a:noFill/>
+                    </a:lnB>
+                  </a:tcPr>
+                </a:tc>
+                <a:tc>
+                  <a:txBody>
+                    <a:bodyPr/>
+                    <a:lstStyle/>
+                    <a:p>
+                      <a:pPr algn="l" fontAlgn="ctr"/>
+                      <a:endParaRPr lang="zh-CN" altLang="en-US" sz="600" b="0" i="0" u="none" strike="noStrike" dirty="0">
+                        <a:solidFill>
+                          <a:srgbClr val="000000"/>
+                        </a:solidFill>
+                        <a:effectLst/>
+                        <a:latin typeface="Courier" pitchFamily="2" charset="0"/>
+                        <a:ea typeface="等线" panose="02010600030101010101" pitchFamily="2" charset="-122"/>
+                      </a:endParaRPr>
+                    </a:p>
+                  </a:txBody>
+                  <a:tcPr marL="9525" marR="9525" marT="9525" marB="0" anchor="ctr">
+                    <a:lnL w="6350" cap="flat" cmpd="sng" algn="ctr">
+                      <a:solidFill>
+                        <a:srgbClr val="000000"/>
+                      </a:solidFill>
+                      <a:prstDash val="solid"/>
+                      <a:round/>
+                      <a:headEnd type="none" w="med" len="med"/>
+                      <a:tailEnd type="none" w="med" len="med"/>
+                    </a:lnL>
+                    <a:lnR>
+                      <a:noFill/>
+                    </a:lnR>
+                    <a:lnT>
+                      <a:noFill/>
+                    </a:lnT>
+                    <a:lnB>
+                      <a:noFill/>
+                    </a:lnB>
+                  </a:tcPr>
+                </a:tc>
+                <a:extLst>
+                  <a:ext uri="{0D108BD9-81ED-4DB2-BD59-A6C34878D82A}">
+                    <a16:rowId xmlns:a16="http://schemas.microsoft.com/office/drawing/2014/main" val="2231066565"/>
+                  </a:ext>
+                </a:extLst>
+              </a:tr>
+            </a:tbl>
+          </a:graphicData>
+        </a:graphic>
+      </p:graphicFrame>
+      <p:cxnSp>
+        <p:nvCxnSpPr>
+          <p:cNvPr id="10" name="直线箭头连接符 9">
+            <a:extLst>
+              <a:ext uri="{FF2B5EF4-FFF2-40B4-BE49-F238E27FC236}">
+                <a16:creationId xmlns:a16="http://schemas.microsoft.com/office/drawing/2014/main" id="{B04EC817-0703-8053-A8C2-94391D258A8A}"/>
+              </a:ext>
+            </a:extLst>
+          </p:cNvPr>
+          <p:cNvCxnSpPr>
+            <a:cxnSpLocks/>
+          </p:cNvCxnSpPr>
+          <p:nvPr/>
+        </p:nvCxnSpPr>
+        <p:spPr>
+          <a:xfrm flipV="1">
+            <a:off x="9481152" y="3526201"/>
+            <a:ext cx="1411161" cy="886837"/>
+          </a:xfrm>
+          <a:prstGeom prst="straightConnector1">
+            <a:avLst/>
+          </a:prstGeom>
+          <a:ln w="28575">
+            <a:solidFill>
+              <a:schemeClr val="tx1"/>
             </a:solidFill>
             <a:tailEnd type="triangle"/>
           </a:ln>
@@ -23248,7 +24820,7 @@
                                         <p:tgtEl>
                                           <p:spTgt spid="11">
                                             <p:txEl>
-                                              <p:pRg st="5" end="5"/>
+                                              <p:pRg st="4" end="4"/>
                                             </p:txEl>
                                           </p:spTgt>
                                         </p:tgtEl>
@@ -23295,7 +24867,11 @@
                                           </p:stCondLst>
                                         </p:cTn>
                                         <p:tgtEl>
-                                          <p:spTgt spid="12"/>
+                                          <p:spTgt spid="11">
+                                            <p:txEl>
+                                              <p:pRg st="5" end="5"/>
+                                            </p:txEl>
+                                          </p:spTgt>
                                         </p:tgtEl>
                                         <p:attrNameLst>
                                           <p:attrName>style.visibility</p:attrName>
@@ -23335,6 +24911,51 @@
                                     <p:set>
                                       <p:cBhvr>
                                         <p:cTn id="22" dur="1" fill="hold">
+                                          <p:stCondLst>
+                                            <p:cond delay="0"/>
+                                          </p:stCondLst>
+                                        </p:cTn>
+                                        <p:tgtEl>
+                                          <p:spTgt spid="12"/>
+                                        </p:tgtEl>
+                                        <p:attrNameLst>
+                                          <p:attrName>style.visibility</p:attrName>
+                                        </p:attrNameLst>
+                                      </p:cBhvr>
+                                      <p:to>
+                                        <p:strVal val="visible"/>
+                                      </p:to>
+                                    </p:set>
+                                  </p:childTnLst>
+                                </p:cTn>
+                              </p:par>
+                            </p:childTnLst>
+                          </p:cTn>
+                        </p:par>
+                      </p:childTnLst>
+                    </p:cTn>
+                  </p:par>
+                  <p:par>
+                    <p:cTn id="23" fill="hold">
+                      <p:stCondLst>
+                        <p:cond delay="indefinite"/>
+                      </p:stCondLst>
+                      <p:childTnLst>
+                        <p:par>
+                          <p:cTn id="24" fill="hold">
+                            <p:stCondLst>
+                              <p:cond delay="0"/>
+                            </p:stCondLst>
+                            <p:childTnLst>
+                              <p:par>
+                                <p:cTn id="25" presetID="1" presetClass="entr" presetSubtype="0" fill="hold" nodeType="clickEffect">
+                                  <p:stCondLst>
+                                    <p:cond delay="0"/>
+                                  </p:stCondLst>
+                                  <p:childTnLst>
+                                    <p:set>
+                                      <p:cBhvr>
+                                        <p:cTn id="26" dur="1" fill="hold">
                                           <p:stCondLst>
                                             <p:cond delay="0"/>
                                           </p:stCondLst>
@@ -25571,6 +27192,41 @@
           <a:chExt cx="0" cy="0"/>
         </a:xfrm>
       </p:grpSpPr>
+      <p:pic>
+        <p:nvPicPr>
+          <p:cNvPr id="10" name="图片 9">
+            <a:extLst>
+              <a:ext uri="{FF2B5EF4-FFF2-40B4-BE49-F238E27FC236}">
+                <a16:creationId xmlns:a16="http://schemas.microsoft.com/office/drawing/2014/main" id="{7F164FED-9CF1-5770-FA1D-E6147C1B283F}"/>
+              </a:ext>
+            </a:extLst>
+          </p:cNvPr>
+          <p:cNvPicPr>
+            <a:picLocks noChangeAspect="1"/>
+          </p:cNvPicPr>
+          <p:nvPr/>
+        </p:nvPicPr>
+        <p:blipFill>
+          <a:blip r:embed="rId2"/>
+          <a:stretch>
+            <a:fillRect/>
+          </a:stretch>
+        </p:blipFill>
+        <p:spPr>
+          <a:xfrm>
+            <a:off x="6452451" y="2062925"/>
+            <a:ext cx="5439628" cy="4795076"/>
+          </a:xfrm>
+          <a:prstGeom prst="rect">
+            <a:avLst/>
+          </a:prstGeom>
+          <a:ln>
+            <a:solidFill>
+              <a:schemeClr val="accent6"/>
+            </a:solidFill>
+          </a:ln>
+        </p:spPr>
+      </p:pic>
       <p:sp>
         <p:nvSpPr>
           <p:cNvPr id="2" name="标题 1">
@@ -25642,76 +27298,6 @@
           </a:p>
         </p:txBody>
       </p:sp>
-      <p:pic>
-        <p:nvPicPr>
-          <p:cNvPr id="4" name="图片 3">
-            <a:extLst>
-              <a:ext uri="{FF2B5EF4-FFF2-40B4-BE49-F238E27FC236}">
-                <a16:creationId xmlns:a16="http://schemas.microsoft.com/office/drawing/2014/main" id="{7A6048FC-0D78-CE46-A0F8-F47DF946AB6B}"/>
-              </a:ext>
-            </a:extLst>
-          </p:cNvPr>
-          <p:cNvPicPr>
-            <a:picLocks noChangeAspect="1"/>
-          </p:cNvPicPr>
-          <p:nvPr/>
-        </p:nvPicPr>
-        <p:blipFill>
-          <a:blip r:embed="rId2"/>
-          <a:stretch>
-            <a:fillRect/>
-          </a:stretch>
-        </p:blipFill>
-        <p:spPr>
-          <a:xfrm>
-            <a:off x="0" y="2056706"/>
-            <a:ext cx="5943600" cy="5245100"/>
-          </a:xfrm>
-          <a:prstGeom prst="rect">
-            <a:avLst/>
-          </a:prstGeom>
-          <a:ln>
-            <a:solidFill>
-              <a:schemeClr val="accent6"/>
-            </a:solidFill>
-          </a:ln>
-        </p:spPr>
-      </p:pic>
-      <p:pic>
-        <p:nvPicPr>
-          <p:cNvPr id="5" name="图片 4">
-            <a:extLst>
-              <a:ext uri="{FF2B5EF4-FFF2-40B4-BE49-F238E27FC236}">
-                <a16:creationId xmlns:a16="http://schemas.microsoft.com/office/drawing/2014/main" id="{2A2BC4B0-EEFD-FD44-9F20-67D92349693C}"/>
-              </a:ext>
-            </a:extLst>
-          </p:cNvPr>
-          <p:cNvPicPr>
-            <a:picLocks noChangeAspect="1"/>
-          </p:cNvPicPr>
-          <p:nvPr/>
-        </p:nvPicPr>
-        <p:blipFill>
-          <a:blip r:embed="rId3"/>
-          <a:stretch>
-            <a:fillRect/>
-          </a:stretch>
-        </p:blipFill>
-        <p:spPr>
-          <a:xfrm>
-            <a:off x="6227053" y="2032556"/>
-            <a:ext cx="5964946" cy="5269250"/>
-          </a:xfrm>
-          <a:prstGeom prst="rect">
-            <a:avLst/>
-          </a:prstGeom>
-          <a:ln>
-            <a:solidFill>
-              <a:schemeClr val="accent6"/>
-            </a:solidFill>
-          </a:ln>
-        </p:spPr>
-      </p:pic>
       <p:grpSp>
         <p:nvGrpSpPr>
           <p:cNvPr id="8" name="组合 7">
@@ -25726,7 +27312,7 @@
         </p:nvGrpSpPr>
         <p:grpSpPr>
           <a:xfrm>
-            <a:off x="9889365" y="2855662"/>
+            <a:off x="9791393" y="2694448"/>
             <a:ext cx="1006920" cy="1128240"/>
             <a:chOff x="9889365" y="2855662"/>
             <a:chExt cx="1006920" cy="1128240"/>
@@ -25734,7 +27320,7 @@
         </p:grpSpPr>
         <mc:AlternateContent xmlns:mc="http://schemas.openxmlformats.org/markup-compatibility/2006" xmlns:p14="http://schemas.microsoft.com/office/powerpoint/2010/main">
           <mc:Choice Requires="p14">
-            <p:contentPart p14:bwMode="auto" r:id="rId4">
+            <p:contentPart p14:bwMode="auto" r:id="rId3">
               <p14:nvContentPartPr>
                 <p14:cNvPr id="6" name="墨迹 5">
                   <a:extLst>
@@ -25835,6 +27421,41 @@
           </mc:Fallback>
         </mc:AlternateContent>
       </p:grpSp>
+      <p:pic>
+        <p:nvPicPr>
+          <p:cNvPr id="9" name="图片 8">
+            <a:extLst>
+              <a:ext uri="{FF2B5EF4-FFF2-40B4-BE49-F238E27FC236}">
+                <a16:creationId xmlns:a16="http://schemas.microsoft.com/office/drawing/2014/main" id="{0E42D341-4A27-BA36-4F3A-8BB80016C436}"/>
+              </a:ext>
+            </a:extLst>
+          </p:cNvPr>
+          <p:cNvPicPr>
+            <a:picLocks noChangeAspect="1"/>
+          </p:cNvPicPr>
+          <p:nvPr/>
+        </p:nvPicPr>
+        <p:blipFill>
+          <a:blip r:embed="rId8"/>
+          <a:stretch>
+            <a:fillRect/>
+          </a:stretch>
+        </p:blipFill>
+        <p:spPr>
+          <a:xfrm>
+            <a:off x="571668" y="2069184"/>
+            <a:ext cx="5439628" cy="4788815"/>
+          </a:xfrm>
+          <a:prstGeom prst="rect">
+            <a:avLst/>
+          </a:prstGeom>
+          <a:ln>
+            <a:solidFill>
+              <a:schemeClr val="accent6"/>
+            </a:solidFill>
+          </a:ln>
+        </p:spPr>
+      </p:pic>
     </p:spTree>
     <p:extLst>
       <p:ext uri="{BB962C8B-B14F-4D97-AF65-F5344CB8AC3E}">
@@ -27633,49 +29254,49 @@
               <a:t>(</a:t>
             </a:r>
             <a:r>
+              <a:rPr lang="en" altLang="zh-CN" sz="1600" dirty="0" err="1">
+                <a:solidFill>
+                  <a:srgbClr val="0000FF"/>
+                </a:solidFill>
+                <a:latin typeface="Menlo" panose="020B0609030804020204" pitchFamily="49" charset="0"/>
+              </a:rPr>
+              <a:t>size_t</a:t>
+            </a:r>
+            <a:r>
               <a:rPr lang="en" altLang="zh-CN" sz="1600" dirty="0">
                 <a:solidFill>
+                  <a:srgbClr val="000000"/>
+                </a:solidFill>
+                <a:latin typeface="Menlo" panose="020B0609030804020204" pitchFamily="49" charset="0"/>
+              </a:rPr>
+              <a:t> </a:t>
+            </a:r>
+            <a:r>
+              <a:rPr lang="en" altLang="zh-CN" sz="1600" dirty="0">
+                <a:solidFill>
+                  <a:srgbClr val="001080"/>
+                </a:solidFill>
+                <a:latin typeface="Menlo" panose="020B0609030804020204" pitchFamily="49" charset="0"/>
+              </a:rPr>
+              <a:t>rows</a:t>
+            </a:r>
+            <a:r>
+              <a:rPr lang="en" altLang="zh-CN" sz="1600" dirty="0">
+                <a:solidFill>
+                  <a:srgbClr val="000000"/>
+                </a:solidFill>
+                <a:latin typeface="Menlo" panose="020B0609030804020204" pitchFamily="49" charset="0"/>
+              </a:rPr>
+              <a:t>, </a:t>
+            </a:r>
+            <a:r>
+              <a:rPr lang="en" altLang="zh-CN" sz="1600" dirty="0" err="1">
+                <a:solidFill>
                   <a:srgbClr val="0000FF"/>
                 </a:solidFill>
                 <a:latin typeface="Menlo" panose="020B0609030804020204" pitchFamily="49" charset="0"/>
               </a:rPr>
-              <a:t>int</a:t>
-            </a:r>
-            <a:r>
-              <a:rPr lang="en" altLang="zh-CN" sz="1600" dirty="0">
-                <a:solidFill>
-                  <a:srgbClr val="000000"/>
-                </a:solidFill>
-                <a:latin typeface="Menlo" panose="020B0609030804020204" pitchFamily="49" charset="0"/>
-              </a:rPr>
-              <a:t> </a:t>
-            </a:r>
-            <a:r>
-              <a:rPr lang="en" altLang="zh-CN" sz="1600" dirty="0">
-                <a:solidFill>
-                  <a:srgbClr val="001080"/>
-                </a:solidFill>
-                <a:latin typeface="Menlo" panose="020B0609030804020204" pitchFamily="49" charset="0"/>
-              </a:rPr>
-              <a:t>rows</a:t>
-            </a:r>
-            <a:r>
-              <a:rPr lang="en" altLang="zh-CN" sz="1600" dirty="0">
-                <a:solidFill>
-                  <a:srgbClr val="000000"/>
-                </a:solidFill>
-                <a:latin typeface="Menlo" panose="020B0609030804020204" pitchFamily="49" charset="0"/>
-              </a:rPr>
-              <a:t>, </a:t>
-            </a:r>
-            <a:r>
-              <a:rPr lang="en" altLang="zh-CN" sz="1600" dirty="0">
-                <a:solidFill>
-                  <a:srgbClr val="0000FF"/>
-                </a:solidFill>
-                <a:latin typeface="Menlo" panose="020B0609030804020204" pitchFamily="49" charset="0"/>
-              </a:rPr>
-              <a:t>int</a:t>
+              <a:t>size_t</a:t>
             </a:r>
             <a:r>
               <a:rPr lang="en" altLang="zh-CN" sz="1600" dirty="0">
@@ -28897,7 +30518,7 @@
         </p:nvSpPr>
         <p:spPr>
           <a:xfrm>
-            <a:off x="6159499" y="2406216"/>
+            <a:off x="6738233" y="2228395"/>
             <a:ext cx="3048000" cy="1754326"/>
           </a:xfrm>
           <a:prstGeom prst="rect">
@@ -28969,7 +30590,16 @@
                 </a:solidFill>
                 <a:latin typeface="Menlo" panose="020B0609030804020204" pitchFamily="49" charset="0"/>
               </a:rPr>
-              <a:t>    int</a:t>
+              <a:t>    </a:t>
+            </a:r>
+            <a:r>
+              <a:rPr lang="en" altLang="zh-CN" dirty="0" err="1">
+                <a:solidFill>
+                  <a:srgbClr val="0000FF"/>
+                </a:solidFill>
+                <a:latin typeface="Menlo" panose="020B0609030804020204" pitchFamily="49" charset="0"/>
+              </a:rPr>
+              <a:t>size_t</a:t>
             </a:r>
             <a:r>
               <a:rPr lang="en" altLang="zh-CN" dirty="0">
@@ -29007,7 +30637,16 @@
                 </a:solidFill>
                 <a:latin typeface="Menlo" panose="020B0609030804020204" pitchFamily="49" charset="0"/>
               </a:rPr>
-              <a:t>    int</a:t>
+              <a:t>    </a:t>
+            </a:r>
+            <a:r>
+              <a:rPr lang="en" altLang="zh-CN" dirty="0" err="1">
+                <a:solidFill>
+                  <a:srgbClr val="0000FF"/>
+                </a:solidFill>
+                <a:latin typeface="Menlo" panose="020B0609030804020204" pitchFamily="49" charset="0"/>
+              </a:rPr>
+              <a:t>size_t</a:t>
             </a:r>
             <a:r>
               <a:rPr lang="en" altLang="zh-CN" dirty="0">
@@ -29228,13 +30867,13 @@
               <a:t>(</a:t>
             </a:r>
             <a:r>
-              <a:rPr lang="en" altLang="zh-CN" dirty="0">
+              <a:rPr lang="en" altLang="zh-CN" dirty="0" err="1">
                 <a:solidFill>
                   <a:srgbClr val="0000FF"/>
                 </a:solidFill>
                 <a:latin typeface="Menlo" panose="020B0609030804020204" pitchFamily="49" charset="0"/>
               </a:rPr>
-              <a:t>int</a:t>
+              <a:t>size_t</a:t>
             </a:r>
             <a:r>
               <a:rPr lang="en" altLang="zh-CN" dirty="0">
@@ -29374,13 +31013,13 @@
               <a:t> (</a:t>
             </a:r>
             <a:r>
-              <a:rPr lang="en" altLang="zh-CN" dirty="0">
+              <a:rPr lang="en" altLang="zh-CN" dirty="0" err="1">
                 <a:solidFill>
                   <a:srgbClr val="0000FF"/>
                 </a:solidFill>
                 <a:latin typeface="Menlo" panose="020B0609030804020204" pitchFamily="49" charset="0"/>
               </a:rPr>
-              <a:t>int</a:t>
+              <a:t>size_t</a:t>
             </a:r>
             <a:r>
               <a:rPr lang="en" altLang="zh-CN" dirty="0">
@@ -34113,13 +35752,13 @@
               <a:t>(</a:t>
             </a:r>
             <a:r>
-              <a:rPr lang="en" altLang="zh-CN" dirty="0">
+              <a:rPr lang="en" altLang="zh-CN" dirty="0" err="1">
                 <a:solidFill>
                   <a:srgbClr val="0000FF"/>
                 </a:solidFill>
                 <a:latin typeface="Menlo" panose="020B0609030804020204" pitchFamily="49" charset="0"/>
               </a:rPr>
-              <a:t>int</a:t>
+              <a:t>size_t</a:t>
             </a:r>
             <a:r>
               <a:rPr lang="en" altLang="zh-CN" dirty="0">
@@ -34259,13 +35898,13 @@
               <a:t> (</a:t>
             </a:r>
             <a:r>
-              <a:rPr lang="en" altLang="zh-CN" dirty="0">
+              <a:rPr lang="en" altLang="zh-CN" dirty="0" err="1">
                 <a:solidFill>
                   <a:srgbClr val="0000FF"/>
                 </a:solidFill>
                 <a:latin typeface="Menlo" panose="020B0609030804020204" pitchFamily="49" charset="0"/>
               </a:rPr>
-              <a:t>int</a:t>
+              <a:t>size_t</a:t>
             </a:r>
             <a:r>
               <a:rPr lang="en" altLang="zh-CN" dirty="0">
@@ -35394,13 +37033,13 @@
               <a:t>(</a:t>
             </a:r>
             <a:r>
-              <a:rPr lang="en" altLang="zh-CN" dirty="0">
+              <a:rPr lang="en" altLang="zh-CN" dirty="0" err="1">
                 <a:solidFill>
                   <a:srgbClr val="0000FF"/>
                 </a:solidFill>
                 <a:latin typeface="Menlo" panose="020B0609030804020204" pitchFamily="49" charset="0"/>
               </a:rPr>
-              <a:t>int</a:t>
+              <a:t>size_t</a:t>
             </a:r>
             <a:r>
               <a:rPr lang="en" altLang="zh-CN" dirty="0">
@@ -35540,13 +37179,13 @@
               <a:t> (</a:t>
             </a:r>
             <a:r>
-              <a:rPr lang="en" altLang="zh-CN" dirty="0">
+              <a:rPr lang="en" altLang="zh-CN" dirty="0" err="1">
                 <a:solidFill>
                   <a:srgbClr val="0000FF"/>
                 </a:solidFill>
                 <a:latin typeface="Menlo" panose="020B0609030804020204" pitchFamily="49" charset="0"/>
               </a:rPr>
-              <a:t>int</a:t>
+              <a:t>size_t</a:t>
             </a:r>
             <a:r>
               <a:rPr lang="en" altLang="zh-CN" dirty="0">

--- a/week06/Lecture06.pptx
+++ b/week06/Lecture06.pptx
@@ -539,7 +539,7 @@
           <a:p>
             <a:fld id="{634F3F22-B4BB-3F48-9180-464A9F2D66D1}" type="datetimeFigureOut">
               <a:rPr kumimoji="1" lang="zh-CN" altLang="en-US" smtClean="0"/>
-              <a:t>2024/3/26</a:t>
+              <a:t>2025/3/25</a:t>
             </a:fld>
             <a:endParaRPr kumimoji="1" lang="zh-CN" altLang="en-US"/>
           </a:p>
@@ -1019,7 +1019,7 @@
           <a:p>
             <a:fld id="{FC19A4FA-3D9A-4114-B0D5-759CBD56F1AB}" type="datetimeFigureOut">
               <a:rPr lang="zh-CN" altLang="en-US" smtClean="0"/>
-              <a:t>2024/3/26</a:t>
+              <a:t>2025/3/25</a:t>
             </a:fld>
             <a:endParaRPr lang="zh-CN" altLang="en-US"/>
           </a:p>
@@ -1222,7 +1222,7 @@
           <a:p>
             <a:fld id="{FC19A4FA-3D9A-4114-B0D5-759CBD56F1AB}" type="datetimeFigureOut">
               <a:rPr lang="zh-CN" altLang="en-US" smtClean="0"/>
-              <a:t>2024/3/26</a:t>
+              <a:t>2025/3/25</a:t>
             </a:fld>
             <a:endParaRPr lang="zh-CN" altLang="en-US"/>
           </a:p>
@@ -1400,7 +1400,7 @@
           <a:p>
             <a:fld id="{FC19A4FA-3D9A-4114-B0D5-759CBD56F1AB}" type="datetimeFigureOut">
               <a:rPr lang="zh-CN" altLang="en-US" smtClean="0"/>
-              <a:t>2024/3/26</a:t>
+              <a:t>2025/3/25</a:t>
             </a:fld>
             <a:endParaRPr lang="zh-CN" altLang="en-US"/>
           </a:p>
@@ -1624,7 +1624,7 @@
           <a:p>
             <a:fld id="{FC19A4FA-3D9A-4114-B0D5-759CBD56F1AB}" type="datetimeFigureOut">
               <a:rPr lang="zh-CN" altLang="en-US" smtClean="0"/>
-              <a:t>2024/3/26</a:t>
+              <a:t>2025/3/25</a:t>
             </a:fld>
             <a:endParaRPr lang="zh-CN" altLang="en-US"/>
           </a:p>
@@ -1858,7 +1858,7 @@
           <a:p>
             <a:fld id="{FC19A4FA-3D9A-4114-B0D5-759CBD56F1AB}" type="datetimeFigureOut">
               <a:rPr lang="zh-CN" altLang="en-US" smtClean="0"/>
-              <a:t>2024/3/26</a:t>
+              <a:t>2025/3/25</a:t>
             </a:fld>
             <a:endParaRPr lang="zh-CN" altLang="en-US"/>
           </a:p>
@@ -2257,7 +2257,7 @@
           <a:p>
             <a:fld id="{FC19A4FA-3D9A-4114-B0D5-759CBD56F1AB}" type="datetimeFigureOut">
               <a:rPr lang="zh-CN" altLang="en-US" smtClean="0"/>
-              <a:t>2024/3/26</a:t>
+              <a:t>2025/3/25</a:t>
             </a:fld>
             <a:endParaRPr lang="zh-CN" altLang="en-US"/>
           </a:p>
@@ -2537,7 +2537,7 @@
           <a:p>
             <a:fld id="{FC19A4FA-3D9A-4114-B0D5-759CBD56F1AB}" type="datetimeFigureOut">
               <a:rPr lang="zh-CN" altLang="en-US" smtClean="0"/>
-              <a:t>2024/3/26</a:t>
+              <a:t>2025/3/25</a:t>
             </a:fld>
             <a:endParaRPr lang="zh-CN" altLang="en-US"/>
           </a:p>
@@ -2689,7 +2689,7 @@
           <a:p>
             <a:fld id="{FC19A4FA-3D9A-4114-B0D5-759CBD56F1AB}" type="datetimeFigureOut">
               <a:rPr lang="zh-CN" altLang="en-US" smtClean="0"/>
-              <a:t>2024/3/26</a:t>
+              <a:t>2025/3/25</a:t>
             </a:fld>
             <a:endParaRPr lang="zh-CN" altLang="en-US"/>
           </a:p>
@@ -2819,7 +2819,7 @@
           <a:p>
             <a:fld id="{FC19A4FA-3D9A-4114-B0D5-759CBD56F1AB}" type="datetimeFigureOut">
               <a:rPr lang="zh-CN" altLang="en-US" smtClean="0"/>
-              <a:t>2024/3/26</a:t>
+              <a:t>2025/3/25</a:t>
             </a:fld>
             <a:endParaRPr lang="zh-CN" altLang="en-US"/>
           </a:p>
@@ -3129,7 +3129,7 @@
           <a:p>
             <a:fld id="{FC19A4FA-3D9A-4114-B0D5-759CBD56F1AB}" type="datetimeFigureOut">
               <a:rPr lang="zh-CN" altLang="en-US" smtClean="0"/>
-              <a:t>2024/3/26</a:t>
+              <a:t>2025/3/25</a:t>
             </a:fld>
             <a:endParaRPr lang="zh-CN" altLang="en-US"/>
           </a:p>
@@ -3416,7 +3416,7 @@
           <a:p>
             <a:fld id="{FC19A4FA-3D9A-4114-B0D5-759CBD56F1AB}" type="datetimeFigureOut">
               <a:rPr lang="zh-CN" altLang="en-US" smtClean="0"/>
-              <a:t>2024/3/26</a:t>
+              <a:t>2025/3/25</a:t>
             </a:fld>
             <a:endParaRPr lang="zh-CN" altLang="en-US"/>
           </a:p>
@@ -3709,7 +3709,7 @@
           <a:p>
             <a:fld id="{FC19A4FA-3D9A-4114-B0D5-759CBD56F1AB}" type="datetimeFigureOut">
               <a:rPr lang="zh-CN" altLang="en-US" smtClean="0"/>
-              <a:t>2024/3/26</a:t>
+              <a:t>2025/3/25</a:t>
             </a:fld>
             <a:endParaRPr lang="zh-CN" altLang="en-US"/>
           </a:p>
@@ -4140,19 +4140,7 @@
               <a:rPr lang="en-US" altLang="zh-CN" b="1" dirty="0">
                 <a:latin typeface="Franklin Gothic Demi" panose="020B0703020102020204" pitchFamily="34" charset="0"/>
               </a:rPr>
-              <a:t>C/C++</a:t>
-            </a:r>
-            <a:r>
-              <a:rPr lang="zh-CN" altLang="en-US" b="1" dirty="0">
-                <a:latin typeface="Franklin Gothic Demi" panose="020B0703020102020204" pitchFamily="34" charset="0"/>
-              </a:rPr>
-              <a:t> </a:t>
-            </a:r>
-            <a:r>
-              <a:rPr lang="en-US" altLang="zh-CN" b="1" dirty="0">
-                <a:latin typeface="Franklin Gothic Demi" panose="020B0703020102020204" pitchFamily="34" charset="0"/>
-              </a:rPr>
-              <a:t>Program Design</a:t>
+              <a:t>Advanced Programming</a:t>
             </a:r>
             <a:endParaRPr lang="zh-CN" altLang="en-US" b="1" dirty="0">
               <a:latin typeface="Franklin Gothic Demi" panose="020B0703020102020204" pitchFamily="34" charset="0"/>
@@ -4181,14 +4169,6 @@
             <a:normAutofit/>
           </a:bodyPr>
           <a:lstStyle/>
-          <a:p>
-            <a:r>
-              <a:rPr lang="en-US" altLang="zh-CN" sz="3600" dirty="0">
-                <a:latin typeface="Franklin Gothic Medium" panose="020B0603020102020204" pitchFamily="34" charset="0"/>
-              </a:rPr>
-              <a:t>CS205</a:t>
-            </a:r>
-          </a:p>
           <a:p>
             <a:endParaRPr lang="en-US" altLang="zh-CN" dirty="0">
               <a:latin typeface="Franklin Gothic Medium" panose="020B0603020102020204" pitchFamily="34" charset="0"/>
